--- a/Feature Flags.pptx
+++ b/Feature Flags.pptx
@@ -7,23 +7,25 @@
   <p:sldIdLst>
     <p:sldId id="256" r:id="rId2"/>
     <p:sldId id="258" r:id="rId3"/>
-    <p:sldId id="274" r:id="rId4"/>
-    <p:sldId id="275" r:id="rId5"/>
-    <p:sldId id="260" r:id="rId6"/>
-    <p:sldId id="259" r:id="rId7"/>
-    <p:sldId id="271" r:id="rId8"/>
-    <p:sldId id="261" r:id="rId9"/>
-    <p:sldId id="268" r:id="rId10"/>
-    <p:sldId id="262" r:id="rId11"/>
-    <p:sldId id="263" r:id="rId12"/>
-    <p:sldId id="264" r:id="rId13"/>
-    <p:sldId id="270" r:id="rId14"/>
-    <p:sldId id="265" r:id="rId15"/>
-    <p:sldId id="266" r:id="rId16"/>
-    <p:sldId id="257" r:id="rId17"/>
-    <p:sldId id="272" r:id="rId18"/>
-    <p:sldId id="273" r:id="rId19"/>
-    <p:sldId id="269" r:id="rId20"/>
+    <p:sldId id="276" r:id="rId4"/>
+    <p:sldId id="277" r:id="rId5"/>
+    <p:sldId id="274" r:id="rId6"/>
+    <p:sldId id="275" r:id="rId7"/>
+    <p:sldId id="260" r:id="rId8"/>
+    <p:sldId id="259" r:id="rId9"/>
+    <p:sldId id="271" r:id="rId10"/>
+    <p:sldId id="261" r:id="rId11"/>
+    <p:sldId id="268" r:id="rId12"/>
+    <p:sldId id="262" r:id="rId13"/>
+    <p:sldId id="263" r:id="rId14"/>
+    <p:sldId id="264" r:id="rId15"/>
+    <p:sldId id="270" r:id="rId16"/>
+    <p:sldId id="265" r:id="rId17"/>
+    <p:sldId id="266" r:id="rId18"/>
+    <p:sldId id="257" r:id="rId19"/>
+    <p:sldId id="272" r:id="rId20"/>
+    <p:sldId id="273" r:id="rId21"/>
+    <p:sldId id="269" r:id="rId22"/>
   </p:sldIdLst>
   <p:sldSz cx="12192000" cy="6858000"/>
   <p:notesSz cx="6858000" cy="9144000"/>
@@ -152,7 +154,7 @@
           <p:cNvPr id="2" name="Title 1">
             <a:extLst>
               <a:ext uri="{FF2B5EF4-FFF2-40B4-BE49-F238E27FC236}">
-                <a16:creationId xmlns="" xmlns:a16="http://schemas.microsoft.com/office/drawing/2014/main" id="{27BCB93A-0838-4136-96C0-49B814CDE990}"/>
+                <a16:creationId xmlns:a16="http://schemas.microsoft.com/office/drawing/2014/main" xmlns="" id="{27BCB93A-0838-4136-96C0-49B814CDE990}"/>
               </a:ext>
             </a:extLst>
           </p:cNvPr>
@@ -189,7 +191,7 @@
           <p:cNvPr id="3" name="Subtitle 2">
             <a:extLst>
               <a:ext uri="{FF2B5EF4-FFF2-40B4-BE49-F238E27FC236}">
-                <a16:creationId xmlns="" xmlns:a16="http://schemas.microsoft.com/office/drawing/2014/main" id="{5203E693-98CD-48C1-860E-B16C03F093D6}"/>
+                <a16:creationId xmlns:a16="http://schemas.microsoft.com/office/drawing/2014/main" xmlns="" id="{5203E693-98CD-48C1-860E-B16C03F093D6}"/>
               </a:ext>
             </a:extLst>
           </p:cNvPr>
@@ -259,7 +261,7 @@
           <p:cNvPr id="4" name="Date Placeholder 3">
             <a:extLst>
               <a:ext uri="{FF2B5EF4-FFF2-40B4-BE49-F238E27FC236}">
-                <a16:creationId xmlns="" xmlns:a16="http://schemas.microsoft.com/office/drawing/2014/main" id="{755A7E13-95A3-4BF9-8247-33A1FF4C0C5E}"/>
+                <a16:creationId xmlns:a16="http://schemas.microsoft.com/office/drawing/2014/main" xmlns="" id="{755A7E13-95A3-4BF9-8247-33A1FF4C0C5E}"/>
               </a:ext>
             </a:extLst>
           </p:cNvPr>
@@ -277,7 +279,7 @@
           <a:p>
             <a:fld id="{8856D68C-D971-45E1-979D-046F9CF5A989}" type="datetimeFigureOut">
               <a:rPr lang="en-US" smtClean="0"/>
-              <a:t>12/10/2020</a:t>
+              <a:t>12/11/2020</a:t>
             </a:fld>
             <a:endParaRPr lang="en-US"/>
           </a:p>
@@ -288,7 +290,7 @@
           <p:cNvPr id="5" name="Footer Placeholder 4">
             <a:extLst>
               <a:ext uri="{FF2B5EF4-FFF2-40B4-BE49-F238E27FC236}">
-                <a16:creationId xmlns="" xmlns:a16="http://schemas.microsoft.com/office/drawing/2014/main" id="{0BF35606-B230-4BFF-A90F-44DAD79686C8}"/>
+                <a16:creationId xmlns:a16="http://schemas.microsoft.com/office/drawing/2014/main" xmlns="" id="{0BF35606-B230-4BFF-A90F-44DAD79686C8}"/>
               </a:ext>
             </a:extLst>
           </p:cNvPr>
@@ -313,7 +315,7 @@
           <p:cNvPr id="6" name="Slide Number Placeholder 5">
             <a:extLst>
               <a:ext uri="{FF2B5EF4-FFF2-40B4-BE49-F238E27FC236}">
-                <a16:creationId xmlns="" xmlns:a16="http://schemas.microsoft.com/office/drawing/2014/main" id="{B8E93927-348D-46E1-95E5-F7D336F4D107}"/>
+                <a16:creationId xmlns:a16="http://schemas.microsoft.com/office/drawing/2014/main" xmlns="" id="{B8E93927-348D-46E1-95E5-F7D336F4D107}"/>
               </a:ext>
             </a:extLst>
           </p:cNvPr>
@@ -372,7 +374,7 @@
           <p:cNvPr id="2" name="Title 1">
             <a:extLst>
               <a:ext uri="{FF2B5EF4-FFF2-40B4-BE49-F238E27FC236}">
-                <a16:creationId xmlns="" xmlns:a16="http://schemas.microsoft.com/office/drawing/2014/main" id="{E5372047-16DC-4211-A31A-FA4E4DAAEADD}"/>
+                <a16:creationId xmlns:a16="http://schemas.microsoft.com/office/drawing/2014/main" xmlns="" id="{E5372047-16DC-4211-A31A-FA4E4DAAEADD}"/>
               </a:ext>
             </a:extLst>
           </p:cNvPr>
@@ -400,7 +402,7 @@
           <p:cNvPr id="3" name="Vertical Text Placeholder 2">
             <a:extLst>
               <a:ext uri="{FF2B5EF4-FFF2-40B4-BE49-F238E27FC236}">
-                <a16:creationId xmlns="" xmlns:a16="http://schemas.microsoft.com/office/drawing/2014/main" id="{344C11D4-7D89-4229-A593-2B30A23F5A2B}"/>
+                <a16:creationId xmlns:a16="http://schemas.microsoft.com/office/drawing/2014/main" xmlns="" id="{344C11D4-7D89-4229-A593-2B30A23F5A2B}"/>
               </a:ext>
             </a:extLst>
           </p:cNvPr>
@@ -457,7 +459,7 @@
           <p:cNvPr id="4" name="Date Placeholder 3">
             <a:extLst>
               <a:ext uri="{FF2B5EF4-FFF2-40B4-BE49-F238E27FC236}">
-                <a16:creationId xmlns="" xmlns:a16="http://schemas.microsoft.com/office/drawing/2014/main" id="{69F9C414-822C-4663-A383-69D06252CD8E}"/>
+                <a16:creationId xmlns:a16="http://schemas.microsoft.com/office/drawing/2014/main" xmlns="" id="{69F9C414-822C-4663-A383-69D06252CD8E}"/>
               </a:ext>
             </a:extLst>
           </p:cNvPr>
@@ -475,7 +477,7 @@
           <a:p>
             <a:fld id="{8856D68C-D971-45E1-979D-046F9CF5A989}" type="datetimeFigureOut">
               <a:rPr lang="en-US" smtClean="0"/>
-              <a:t>12/10/2020</a:t>
+              <a:t>12/11/2020</a:t>
             </a:fld>
             <a:endParaRPr lang="en-US"/>
           </a:p>
@@ -486,7 +488,7 @@
           <p:cNvPr id="5" name="Footer Placeholder 4">
             <a:extLst>
               <a:ext uri="{FF2B5EF4-FFF2-40B4-BE49-F238E27FC236}">
-                <a16:creationId xmlns="" xmlns:a16="http://schemas.microsoft.com/office/drawing/2014/main" id="{9FD037D4-8BE1-4450-88F0-E507C7E08292}"/>
+                <a16:creationId xmlns:a16="http://schemas.microsoft.com/office/drawing/2014/main" xmlns="" id="{9FD037D4-8BE1-4450-88F0-E507C7E08292}"/>
               </a:ext>
             </a:extLst>
           </p:cNvPr>
@@ -511,7 +513,7 @@
           <p:cNvPr id="6" name="Slide Number Placeholder 5">
             <a:extLst>
               <a:ext uri="{FF2B5EF4-FFF2-40B4-BE49-F238E27FC236}">
-                <a16:creationId xmlns="" xmlns:a16="http://schemas.microsoft.com/office/drawing/2014/main" id="{0C291C01-C194-4D31-A0FA-85749833815D}"/>
+                <a16:creationId xmlns:a16="http://schemas.microsoft.com/office/drawing/2014/main" xmlns="" id="{0C291C01-C194-4D31-A0FA-85749833815D}"/>
               </a:ext>
             </a:extLst>
           </p:cNvPr>
@@ -570,7 +572,7 @@
           <p:cNvPr id="2" name="Vertical Title 1">
             <a:extLst>
               <a:ext uri="{FF2B5EF4-FFF2-40B4-BE49-F238E27FC236}">
-                <a16:creationId xmlns="" xmlns:a16="http://schemas.microsoft.com/office/drawing/2014/main" id="{00302E92-CF11-44F8-B5AF-CD9DBC430CAC}"/>
+                <a16:creationId xmlns:a16="http://schemas.microsoft.com/office/drawing/2014/main" xmlns="" id="{00302E92-CF11-44F8-B5AF-CD9DBC430CAC}"/>
               </a:ext>
             </a:extLst>
           </p:cNvPr>
@@ -603,7 +605,7 @@
           <p:cNvPr id="3" name="Vertical Text Placeholder 2">
             <a:extLst>
               <a:ext uri="{FF2B5EF4-FFF2-40B4-BE49-F238E27FC236}">
-                <a16:creationId xmlns="" xmlns:a16="http://schemas.microsoft.com/office/drawing/2014/main" id="{470575BF-C4DA-4A70-B253-408218AAE768}"/>
+                <a16:creationId xmlns:a16="http://schemas.microsoft.com/office/drawing/2014/main" xmlns="" id="{470575BF-C4DA-4A70-B253-408218AAE768}"/>
               </a:ext>
             </a:extLst>
           </p:cNvPr>
@@ -665,7 +667,7 @@
           <p:cNvPr id="4" name="Date Placeholder 3">
             <a:extLst>
               <a:ext uri="{FF2B5EF4-FFF2-40B4-BE49-F238E27FC236}">
-                <a16:creationId xmlns="" xmlns:a16="http://schemas.microsoft.com/office/drawing/2014/main" id="{BFCB9C3E-998D-49B9-A62E-A54074D654BA}"/>
+                <a16:creationId xmlns:a16="http://schemas.microsoft.com/office/drawing/2014/main" xmlns="" id="{BFCB9C3E-998D-49B9-A62E-A54074D654BA}"/>
               </a:ext>
             </a:extLst>
           </p:cNvPr>
@@ -683,7 +685,7 @@
           <a:p>
             <a:fld id="{8856D68C-D971-45E1-979D-046F9CF5A989}" type="datetimeFigureOut">
               <a:rPr lang="en-US" smtClean="0"/>
-              <a:t>12/10/2020</a:t>
+              <a:t>12/11/2020</a:t>
             </a:fld>
             <a:endParaRPr lang="en-US"/>
           </a:p>
@@ -694,7 +696,7 @@
           <p:cNvPr id="5" name="Footer Placeholder 4">
             <a:extLst>
               <a:ext uri="{FF2B5EF4-FFF2-40B4-BE49-F238E27FC236}">
-                <a16:creationId xmlns="" xmlns:a16="http://schemas.microsoft.com/office/drawing/2014/main" id="{000307EE-C18E-459B-AF66-4B433547C59B}"/>
+                <a16:creationId xmlns:a16="http://schemas.microsoft.com/office/drawing/2014/main" xmlns="" id="{000307EE-C18E-459B-AF66-4B433547C59B}"/>
               </a:ext>
             </a:extLst>
           </p:cNvPr>
@@ -719,7 +721,7 @@
           <p:cNvPr id="6" name="Slide Number Placeholder 5">
             <a:extLst>
               <a:ext uri="{FF2B5EF4-FFF2-40B4-BE49-F238E27FC236}">
-                <a16:creationId xmlns="" xmlns:a16="http://schemas.microsoft.com/office/drawing/2014/main" id="{E07BA8F2-0A27-4F44-A548-CCEABE8A988D}"/>
+                <a16:creationId xmlns:a16="http://schemas.microsoft.com/office/drawing/2014/main" xmlns="" id="{E07BA8F2-0A27-4F44-A548-CCEABE8A988D}"/>
               </a:ext>
             </a:extLst>
           </p:cNvPr>
@@ -778,7 +780,7 @@
           <p:cNvPr id="2" name="Title 1">
             <a:extLst>
               <a:ext uri="{FF2B5EF4-FFF2-40B4-BE49-F238E27FC236}">
-                <a16:creationId xmlns="" xmlns:a16="http://schemas.microsoft.com/office/drawing/2014/main" id="{D4985278-7A95-4740-99D9-73A22139DB8B}"/>
+                <a16:creationId xmlns:a16="http://schemas.microsoft.com/office/drawing/2014/main" xmlns="" id="{D4985278-7A95-4740-99D9-73A22139DB8B}"/>
               </a:ext>
             </a:extLst>
           </p:cNvPr>
@@ -806,7 +808,7 @@
           <p:cNvPr id="3" name="Content Placeholder 2">
             <a:extLst>
               <a:ext uri="{FF2B5EF4-FFF2-40B4-BE49-F238E27FC236}">
-                <a16:creationId xmlns="" xmlns:a16="http://schemas.microsoft.com/office/drawing/2014/main" id="{D6A9FA66-D749-4BA0-BF71-1F47D05401E4}"/>
+                <a16:creationId xmlns:a16="http://schemas.microsoft.com/office/drawing/2014/main" xmlns="" id="{D6A9FA66-D749-4BA0-BF71-1F47D05401E4}"/>
               </a:ext>
             </a:extLst>
           </p:cNvPr>
@@ -863,7 +865,7 @@
           <p:cNvPr id="4" name="Date Placeholder 3">
             <a:extLst>
               <a:ext uri="{FF2B5EF4-FFF2-40B4-BE49-F238E27FC236}">
-                <a16:creationId xmlns="" xmlns:a16="http://schemas.microsoft.com/office/drawing/2014/main" id="{D616E6E2-FF8C-4796-A3AC-BD48935FCE3E}"/>
+                <a16:creationId xmlns:a16="http://schemas.microsoft.com/office/drawing/2014/main" xmlns="" id="{D616E6E2-FF8C-4796-A3AC-BD48935FCE3E}"/>
               </a:ext>
             </a:extLst>
           </p:cNvPr>
@@ -881,7 +883,7 @@
           <a:p>
             <a:fld id="{8856D68C-D971-45E1-979D-046F9CF5A989}" type="datetimeFigureOut">
               <a:rPr lang="en-US" smtClean="0"/>
-              <a:t>12/10/2020</a:t>
+              <a:t>12/11/2020</a:t>
             </a:fld>
             <a:endParaRPr lang="en-US"/>
           </a:p>
@@ -892,7 +894,7 @@
           <p:cNvPr id="5" name="Footer Placeholder 4">
             <a:extLst>
               <a:ext uri="{FF2B5EF4-FFF2-40B4-BE49-F238E27FC236}">
-                <a16:creationId xmlns="" xmlns:a16="http://schemas.microsoft.com/office/drawing/2014/main" id="{22F72DE5-BE0D-4E9E-875B-AA542E5736F1}"/>
+                <a16:creationId xmlns:a16="http://schemas.microsoft.com/office/drawing/2014/main" xmlns="" id="{22F72DE5-BE0D-4E9E-875B-AA542E5736F1}"/>
               </a:ext>
             </a:extLst>
           </p:cNvPr>
@@ -917,7 +919,7 @@
           <p:cNvPr id="6" name="Slide Number Placeholder 5">
             <a:extLst>
               <a:ext uri="{FF2B5EF4-FFF2-40B4-BE49-F238E27FC236}">
-                <a16:creationId xmlns="" xmlns:a16="http://schemas.microsoft.com/office/drawing/2014/main" id="{F7950B48-6059-47F1-B684-154B3CE45616}"/>
+                <a16:creationId xmlns:a16="http://schemas.microsoft.com/office/drawing/2014/main" xmlns="" id="{F7950B48-6059-47F1-B684-154B3CE45616}"/>
               </a:ext>
             </a:extLst>
           </p:cNvPr>
@@ -976,7 +978,7 @@
           <p:cNvPr id="2" name="Title 1">
             <a:extLst>
               <a:ext uri="{FF2B5EF4-FFF2-40B4-BE49-F238E27FC236}">
-                <a16:creationId xmlns="" xmlns:a16="http://schemas.microsoft.com/office/drawing/2014/main" id="{64825EEB-EBAD-413D-829D-0C1250F8CAD9}"/>
+                <a16:creationId xmlns:a16="http://schemas.microsoft.com/office/drawing/2014/main" xmlns="" id="{64825EEB-EBAD-413D-829D-0C1250F8CAD9}"/>
               </a:ext>
             </a:extLst>
           </p:cNvPr>
@@ -1013,7 +1015,7 @@
           <p:cNvPr id="3" name="Text Placeholder 2">
             <a:extLst>
               <a:ext uri="{FF2B5EF4-FFF2-40B4-BE49-F238E27FC236}">
-                <a16:creationId xmlns="" xmlns:a16="http://schemas.microsoft.com/office/drawing/2014/main" id="{CC5151D9-87A2-4347-872A-471AD1A67099}"/>
+                <a16:creationId xmlns:a16="http://schemas.microsoft.com/office/drawing/2014/main" xmlns="" id="{CC5151D9-87A2-4347-872A-471AD1A67099}"/>
               </a:ext>
             </a:extLst>
           </p:cNvPr>
@@ -1138,7 +1140,7 @@
           <p:cNvPr id="4" name="Date Placeholder 3">
             <a:extLst>
               <a:ext uri="{FF2B5EF4-FFF2-40B4-BE49-F238E27FC236}">
-                <a16:creationId xmlns="" xmlns:a16="http://schemas.microsoft.com/office/drawing/2014/main" id="{D4730816-C784-4342-AEA4-0DA465045B2A}"/>
+                <a16:creationId xmlns:a16="http://schemas.microsoft.com/office/drawing/2014/main" xmlns="" id="{D4730816-C784-4342-AEA4-0DA465045B2A}"/>
               </a:ext>
             </a:extLst>
           </p:cNvPr>
@@ -1156,7 +1158,7 @@
           <a:p>
             <a:fld id="{8856D68C-D971-45E1-979D-046F9CF5A989}" type="datetimeFigureOut">
               <a:rPr lang="en-US" smtClean="0"/>
-              <a:t>12/10/2020</a:t>
+              <a:t>12/11/2020</a:t>
             </a:fld>
             <a:endParaRPr lang="en-US"/>
           </a:p>
@@ -1167,7 +1169,7 @@
           <p:cNvPr id="5" name="Footer Placeholder 4">
             <a:extLst>
               <a:ext uri="{FF2B5EF4-FFF2-40B4-BE49-F238E27FC236}">
-                <a16:creationId xmlns="" xmlns:a16="http://schemas.microsoft.com/office/drawing/2014/main" id="{5C3F5CA4-12D0-4782-9042-931BFEE7FECD}"/>
+                <a16:creationId xmlns:a16="http://schemas.microsoft.com/office/drawing/2014/main" xmlns="" id="{5C3F5CA4-12D0-4782-9042-931BFEE7FECD}"/>
               </a:ext>
             </a:extLst>
           </p:cNvPr>
@@ -1192,7 +1194,7 @@
           <p:cNvPr id="6" name="Slide Number Placeholder 5">
             <a:extLst>
               <a:ext uri="{FF2B5EF4-FFF2-40B4-BE49-F238E27FC236}">
-                <a16:creationId xmlns="" xmlns:a16="http://schemas.microsoft.com/office/drawing/2014/main" id="{44ED9A54-949E-40B5-9FAF-B59D31009009}"/>
+                <a16:creationId xmlns:a16="http://schemas.microsoft.com/office/drawing/2014/main" xmlns="" id="{44ED9A54-949E-40B5-9FAF-B59D31009009}"/>
               </a:ext>
             </a:extLst>
           </p:cNvPr>
@@ -1251,7 +1253,7 @@
           <p:cNvPr id="2" name="Title 1">
             <a:extLst>
               <a:ext uri="{FF2B5EF4-FFF2-40B4-BE49-F238E27FC236}">
-                <a16:creationId xmlns="" xmlns:a16="http://schemas.microsoft.com/office/drawing/2014/main" id="{7A4378EF-CE6B-401C-A382-091FFC797D65}"/>
+                <a16:creationId xmlns:a16="http://schemas.microsoft.com/office/drawing/2014/main" xmlns="" id="{7A4378EF-CE6B-401C-A382-091FFC797D65}"/>
               </a:ext>
             </a:extLst>
           </p:cNvPr>
@@ -1279,7 +1281,7 @@
           <p:cNvPr id="3" name="Content Placeholder 2">
             <a:extLst>
               <a:ext uri="{FF2B5EF4-FFF2-40B4-BE49-F238E27FC236}">
-                <a16:creationId xmlns="" xmlns:a16="http://schemas.microsoft.com/office/drawing/2014/main" id="{DA571ABE-63BB-4A5A-B64A-163DC5B41304}"/>
+                <a16:creationId xmlns:a16="http://schemas.microsoft.com/office/drawing/2014/main" xmlns="" id="{DA571ABE-63BB-4A5A-B64A-163DC5B41304}"/>
               </a:ext>
             </a:extLst>
           </p:cNvPr>
@@ -1341,7 +1343,7 @@
           <p:cNvPr id="4" name="Content Placeholder 3">
             <a:extLst>
               <a:ext uri="{FF2B5EF4-FFF2-40B4-BE49-F238E27FC236}">
-                <a16:creationId xmlns="" xmlns:a16="http://schemas.microsoft.com/office/drawing/2014/main" id="{A620DDC4-1330-4B08-8379-3705A4DCAC5B}"/>
+                <a16:creationId xmlns:a16="http://schemas.microsoft.com/office/drawing/2014/main" xmlns="" id="{A620DDC4-1330-4B08-8379-3705A4DCAC5B}"/>
               </a:ext>
             </a:extLst>
           </p:cNvPr>
@@ -1403,7 +1405,7 @@
           <p:cNvPr id="5" name="Date Placeholder 4">
             <a:extLst>
               <a:ext uri="{FF2B5EF4-FFF2-40B4-BE49-F238E27FC236}">
-                <a16:creationId xmlns="" xmlns:a16="http://schemas.microsoft.com/office/drawing/2014/main" id="{BCF8A388-6BCE-44E2-88CB-8F1DDA45045A}"/>
+                <a16:creationId xmlns:a16="http://schemas.microsoft.com/office/drawing/2014/main" xmlns="" id="{BCF8A388-6BCE-44E2-88CB-8F1DDA45045A}"/>
               </a:ext>
             </a:extLst>
           </p:cNvPr>
@@ -1421,7 +1423,7 @@
           <a:p>
             <a:fld id="{8856D68C-D971-45E1-979D-046F9CF5A989}" type="datetimeFigureOut">
               <a:rPr lang="en-US" smtClean="0"/>
-              <a:t>12/10/2020</a:t>
+              <a:t>12/11/2020</a:t>
             </a:fld>
             <a:endParaRPr lang="en-US"/>
           </a:p>
@@ -1432,7 +1434,7 @@
           <p:cNvPr id="6" name="Footer Placeholder 5">
             <a:extLst>
               <a:ext uri="{FF2B5EF4-FFF2-40B4-BE49-F238E27FC236}">
-                <a16:creationId xmlns="" xmlns:a16="http://schemas.microsoft.com/office/drawing/2014/main" id="{AF5C8524-7DB1-4D3E-A5B4-F18E70E42699}"/>
+                <a16:creationId xmlns:a16="http://schemas.microsoft.com/office/drawing/2014/main" xmlns="" id="{AF5C8524-7DB1-4D3E-A5B4-F18E70E42699}"/>
               </a:ext>
             </a:extLst>
           </p:cNvPr>
@@ -1457,7 +1459,7 @@
           <p:cNvPr id="7" name="Slide Number Placeholder 6">
             <a:extLst>
               <a:ext uri="{FF2B5EF4-FFF2-40B4-BE49-F238E27FC236}">
-                <a16:creationId xmlns="" xmlns:a16="http://schemas.microsoft.com/office/drawing/2014/main" id="{7F0304D6-853A-4BBC-9831-4B1327CEB627}"/>
+                <a16:creationId xmlns:a16="http://schemas.microsoft.com/office/drawing/2014/main" xmlns="" id="{7F0304D6-853A-4BBC-9831-4B1327CEB627}"/>
               </a:ext>
             </a:extLst>
           </p:cNvPr>
@@ -1516,7 +1518,7 @@
           <p:cNvPr id="2" name="Title 1">
             <a:extLst>
               <a:ext uri="{FF2B5EF4-FFF2-40B4-BE49-F238E27FC236}">
-                <a16:creationId xmlns="" xmlns:a16="http://schemas.microsoft.com/office/drawing/2014/main" id="{9F1AD5E6-BA7A-4B40-9F8F-0B7966FD6CBE}"/>
+                <a16:creationId xmlns:a16="http://schemas.microsoft.com/office/drawing/2014/main" xmlns="" id="{9F1AD5E6-BA7A-4B40-9F8F-0B7966FD6CBE}"/>
               </a:ext>
             </a:extLst>
           </p:cNvPr>
@@ -1549,7 +1551,7 @@
           <p:cNvPr id="3" name="Text Placeholder 2">
             <a:extLst>
               <a:ext uri="{FF2B5EF4-FFF2-40B4-BE49-F238E27FC236}">
-                <a16:creationId xmlns="" xmlns:a16="http://schemas.microsoft.com/office/drawing/2014/main" id="{E95C18F0-C781-4FF7-BBEB-B5C6D0509BD5}"/>
+                <a16:creationId xmlns:a16="http://schemas.microsoft.com/office/drawing/2014/main" xmlns="" id="{E95C18F0-C781-4FF7-BBEB-B5C6D0509BD5}"/>
               </a:ext>
             </a:extLst>
           </p:cNvPr>
@@ -1620,7 +1622,7 @@
           <p:cNvPr id="4" name="Content Placeholder 3">
             <a:extLst>
               <a:ext uri="{FF2B5EF4-FFF2-40B4-BE49-F238E27FC236}">
-                <a16:creationId xmlns="" xmlns:a16="http://schemas.microsoft.com/office/drawing/2014/main" id="{D8E8AB5F-39F7-4C7F-B375-1193ECB5B476}"/>
+                <a16:creationId xmlns:a16="http://schemas.microsoft.com/office/drawing/2014/main" xmlns="" id="{D8E8AB5F-39F7-4C7F-B375-1193ECB5B476}"/>
               </a:ext>
             </a:extLst>
           </p:cNvPr>
@@ -1682,7 +1684,7 @@
           <p:cNvPr id="5" name="Text Placeholder 4">
             <a:extLst>
               <a:ext uri="{FF2B5EF4-FFF2-40B4-BE49-F238E27FC236}">
-                <a16:creationId xmlns="" xmlns:a16="http://schemas.microsoft.com/office/drawing/2014/main" id="{611C3508-0B1B-41CD-9CA8-382E22C44E8F}"/>
+                <a16:creationId xmlns:a16="http://schemas.microsoft.com/office/drawing/2014/main" xmlns="" id="{611C3508-0B1B-41CD-9CA8-382E22C44E8F}"/>
               </a:ext>
             </a:extLst>
           </p:cNvPr>
@@ -1753,7 +1755,7 @@
           <p:cNvPr id="6" name="Content Placeholder 5">
             <a:extLst>
               <a:ext uri="{FF2B5EF4-FFF2-40B4-BE49-F238E27FC236}">
-                <a16:creationId xmlns="" xmlns:a16="http://schemas.microsoft.com/office/drawing/2014/main" id="{A7DD2B8A-16B1-45A0-B83C-AE601E79A887}"/>
+                <a16:creationId xmlns:a16="http://schemas.microsoft.com/office/drawing/2014/main" xmlns="" id="{A7DD2B8A-16B1-45A0-B83C-AE601E79A887}"/>
               </a:ext>
             </a:extLst>
           </p:cNvPr>
@@ -1815,7 +1817,7 @@
           <p:cNvPr id="7" name="Date Placeholder 6">
             <a:extLst>
               <a:ext uri="{FF2B5EF4-FFF2-40B4-BE49-F238E27FC236}">
-                <a16:creationId xmlns="" xmlns:a16="http://schemas.microsoft.com/office/drawing/2014/main" id="{7D55F5AB-97F7-4CFC-999F-DA081D40B108}"/>
+                <a16:creationId xmlns:a16="http://schemas.microsoft.com/office/drawing/2014/main" xmlns="" id="{7D55F5AB-97F7-4CFC-999F-DA081D40B108}"/>
               </a:ext>
             </a:extLst>
           </p:cNvPr>
@@ -1833,7 +1835,7 @@
           <a:p>
             <a:fld id="{8856D68C-D971-45E1-979D-046F9CF5A989}" type="datetimeFigureOut">
               <a:rPr lang="en-US" smtClean="0"/>
-              <a:t>12/10/2020</a:t>
+              <a:t>12/11/2020</a:t>
             </a:fld>
             <a:endParaRPr lang="en-US"/>
           </a:p>
@@ -1844,7 +1846,7 @@
           <p:cNvPr id="8" name="Footer Placeholder 7">
             <a:extLst>
               <a:ext uri="{FF2B5EF4-FFF2-40B4-BE49-F238E27FC236}">
-                <a16:creationId xmlns="" xmlns:a16="http://schemas.microsoft.com/office/drawing/2014/main" id="{5960DD55-CE23-4D0D-A34A-775B50BDAB2A}"/>
+                <a16:creationId xmlns:a16="http://schemas.microsoft.com/office/drawing/2014/main" xmlns="" id="{5960DD55-CE23-4D0D-A34A-775B50BDAB2A}"/>
               </a:ext>
             </a:extLst>
           </p:cNvPr>
@@ -1869,7 +1871,7 @@
           <p:cNvPr id="9" name="Slide Number Placeholder 8">
             <a:extLst>
               <a:ext uri="{FF2B5EF4-FFF2-40B4-BE49-F238E27FC236}">
-                <a16:creationId xmlns="" xmlns:a16="http://schemas.microsoft.com/office/drawing/2014/main" id="{B95DD5F1-DB09-416D-87BD-611C007506B5}"/>
+                <a16:creationId xmlns:a16="http://schemas.microsoft.com/office/drawing/2014/main" xmlns="" id="{B95DD5F1-DB09-416D-87BD-611C007506B5}"/>
               </a:ext>
             </a:extLst>
           </p:cNvPr>
@@ -1928,7 +1930,7 @@
           <p:cNvPr id="2" name="Title 1">
             <a:extLst>
               <a:ext uri="{FF2B5EF4-FFF2-40B4-BE49-F238E27FC236}">
-                <a16:creationId xmlns="" xmlns:a16="http://schemas.microsoft.com/office/drawing/2014/main" id="{CB82C979-187E-4912-AB5B-CB2AE0DB3363}"/>
+                <a16:creationId xmlns:a16="http://schemas.microsoft.com/office/drawing/2014/main" xmlns="" id="{CB82C979-187E-4912-AB5B-CB2AE0DB3363}"/>
               </a:ext>
             </a:extLst>
           </p:cNvPr>
@@ -1956,7 +1958,7 @@
           <p:cNvPr id="3" name="Date Placeholder 2">
             <a:extLst>
               <a:ext uri="{FF2B5EF4-FFF2-40B4-BE49-F238E27FC236}">
-                <a16:creationId xmlns="" xmlns:a16="http://schemas.microsoft.com/office/drawing/2014/main" id="{10E5E2D6-7E0B-43CE-A5EA-C97C04300C2B}"/>
+                <a16:creationId xmlns:a16="http://schemas.microsoft.com/office/drawing/2014/main" xmlns="" id="{10E5E2D6-7E0B-43CE-A5EA-C97C04300C2B}"/>
               </a:ext>
             </a:extLst>
           </p:cNvPr>
@@ -1974,7 +1976,7 @@
           <a:p>
             <a:fld id="{8856D68C-D971-45E1-979D-046F9CF5A989}" type="datetimeFigureOut">
               <a:rPr lang="en-US" smtClean="0"/>
-              <a:t>12/10/2020</a:t>
+              <a:t>12/11/2020</a:t>
             </a:fld>
             <a:endParaRPr lang="en-US"/>
           </a:p>
@@ -1985,7 +1987,7 @@
           <p:cNvPr id="4" name="Footer Placeholder 3">
             <a:extLst>
               <a:ext uri="{FF2B5EF4-FFF2-40B4-BE49-F238E27FC236}">
-                <a16:creationId xmlns="" xmlns:a16="http://schemas.microsoft.com/office/drawing/2014/main" id="{EC086D01-5784-4E47-973E-AF0DBC4DA1BC}"/>
+                <a16:creationId xmlns:a16="http://schemas.microsoft.com/office/drawing/2014/main" xmlns="" id="{EC086D01-5784-4E47-973E-AF0DBC4DA1BC}"/>
               </a:ext>
             </a:extLst>
           </p:cNvPr>
@@ -2010,7 +2012,7 @@
           <p:cNvPr id="5" name="Slide Number Placeholder 4">
             <a:extLst>
               <a:ext uri="{FF2B5EF4-FFF2-40B4-BE49-F238E27FC236}">
-                <a16:creationId xmlns="" xmlns:a16="http://schemas.microsoft.com/office/drawing/2014/main" id="{2A975C18-14F9-47A9-821A-8B9DB4C60351}"/>
+                <a16:creationId xmlns:a16="http://schemas.microsoft.com/office/drawing/2014/main" xmlns="" id="{2A975C18-14F9-47A9-821A-8B9DB4C60351}"/>
               </a:ext>
             </a:extLst>
           </p:cNvPr>
@@ -2069,7 +2071,7 @@
           <p:cNvPr id="2" name="Date Placeholder 1">
             <a:extLst>
               <a:ext uri="{FF2B5EF4-FFF2-40B4-BE49-F238E27FC236}">
-                <a16:creationId xmlns="" xmlns:a16="http://schemas.microsoft.com/office/drawing/2014/main" id="{F7EE3F18-78D0-4293-B448-5C651C4D9172}"/>
+                <a16:creationId xmlns:a16="http://schemas.microsoft.com/office/drawing/2014/main" xmlns="" id="{F7EE3F18-78D0-4293-B448-5C651C4D9172}"/>
               </a:ext>
             </a:extLst>
           </p:cNvPr>
@@ -2087,7 +2089,7 @@
           <a:p>
             <a:fld id="{8856D68C-D971-45E1-979D-046F9CF5A989}" type="datetimeFigureOut">
               <a:rPr lang="en-US" smtClean="0"/>
-              <a:t>12/10/2020</a:t>
+              <a:t>12/11/2020</a:t>
             </a:fld>
             <a:endParaRPr lang="en-US"/>
           </a:p>
@@ -2098,7 +2100,7 @@
           <p:cNvPr id="3" name="Footer Placeholder 2">
             <a:extLst>
               <a:ext uri="{FF2B5EF4-FFF2-40B4-BE49-F238E27FC236}">
-                <a16:creationId xmlns="" xmlns:a16="http://schemas.microsoft.com/office/drawing/2014/main" id="{83E4FDFA-7B79-4B5D-ABEC-C00624D11105}"/>
+                <a16:creationId xmlns:a16="http://schemas.microsoft.com/office/drawing/2014/main" xmlns="" id="{83E4FDFA-7B79-4B5D-ABEC-C00624D11105}"/>
               </a:ext>
             </a:extLst>
           </p:cNvPr>
@@ -2123,7 +2125,7 @@
           <p:cNvPr id="4" name="Slide Number Placeholder 3">
             <a:extLst>
               <a:ext uri="{FF2B5EF4-FFF2-40B4-BE49-F238E27FC236}">
-                <a16:creationId xmlns="" xmlns:a16="http://schemas.microsoft.com/office/drawing/2014/main" id="{B71EB577-00ED-4AC0-99C4-D28C6B6C4D6B}"/>
+                <a16:creationId xmlns:a16="http://schemas.microsoft.com/office/drawing/2014/main" xmlns="" id="{B71EB577-00ED-4AC0-99C4-D28C6B6C4D6B}"/>
               </a:ext>
             </a:extLst>
           </p:cNvPr>
@@ -2182,7 +2184,7 @@
           <p:cNvPr id="2" name="Title 1">
             <a:extLst>
               <a:ext uri="{FF2B5EF4-FFF2-40B4-BE49-F238E27FC236}">
-                <a16:creationId xmlns="" xmlns:a16="http://schemas.microsoft.com/office/drawing/2014/main" id="{2172911D-0E5A-42E3-BDEF-A436266C48C6}"/>
+                <a16:creationId xmlns:a16="http://schemas.microsoft.com/office/drawing/2014/main" xmlns="" id="{2172911D-0E5A-42E3-BDEF-A436266C48C6}"/>
               </a:ext>
             </a:extLst>
           </p:cNvPr>
@@ -2219,7 +2221,7 @@
           <p:cNvPr id="3" name="Content Placeholder 2">
             <a:extLst>
               <a:ext uri="{FF2B5EF4-FFF2-40B4-BE49-F238E27FC236}">
-                <a16:creationId xmlns="" xmlns:a16="http://schemas.microsoft.com/office/drawing/2014/main" id="{F56B9FB0-11CF-4DAF-B3BA-BC6B19592D69}"/>
+                <a16:creationId xmlns:a16="http://schemas.microsoft.com/office/drawing/2014/main" xmlns="" id="{F56B9FB0-11CF-4DAF-B3BA-BC6B19592D69}"/>
               </a:ext>
             </a:extLst>
           </p:cNvPr>
@@ -2309,7 +2311,7 @@
           <p:cNvPr id="4" name="Text Placeholder 3">
             <a:extLst>
               <a:ext uri="{FF2B5EF4-FFF2-40B4-BE49-F238E27FC236}">
-                <a16:creationId xmlns="" xmlns:a16="http://schemas.microsoft.com/office/drawing/2014/main" id="{86B67318-BC94-43CD-BEDD-7487C8598E12}"/>
+                <a16:creationId xmlns:a16="http://schemas.microsoft.com/office/drawing/2014/main" xmlns="" id="{86B67318-BC94-43CD-BEDD-7487C8598E12}"/>
               </a:ext>
             </a:extLst>
           </p:cNvPr>
@@ -2380,7 +2382,7 @@
           <p:cNvPr id="5" name="Date Placeholder 4">
             <a:extLst>
               <a:ext uri="{FF2B5EF4-FFF2-40B4-BE49-F238E27FC236}">
-                <a16:creationId xmlns="" xmlns:a16="http://schemas.microsoft.com/office/drawing/2014/main" id="{55C33F24-048F-4A30-83DE-1BDD1D385CBF}"/>
+                <a16:creationId xmlns:a16="http://schemas.microsoft.com/office/drawing/2014/main" xmlns="" id="{55C33F24-048F-4A30-83DE-1BDD1D385CBF}"/>
               </a:ext>
             </a:extLst>
           </p:cNvPr>
@@ -2398,7 +2400,7 @@
           <a:p>
             <a:fld id="{8856D68C-D971-45E1-979D-046F9CF5A989}" type="datetimeFigureOut">
               <a:rPr lang="en-US" smtClean="0"/>
-              <a:t>12/10/2020</a:t>
+              <a:t>12/11/2020</a:t>
             </a:fld>
             <a:endParaRPr lang="en-US"/>
           </a:p>
@@ -2409,7 +2411,7 @@
           <p:cNvPr id="6" name="Footer Placeholder 5">
             <a:extLst>
               <a:ext uri="{FF2B5EF4-FFF2-40B4-BE49-F238E27FC236}">
-                <a16:creationId xmlns="" xmlns:a16="http://schemas.microsoft.com/office/drawing/2014/main" id="{116F38D7-FEC7-4AB6-A543-EB7CE902A700}"/>
+                <a16:creationId xmlns:a16="http://schemas.microsoft.com/office/drawing/2014/main" xmlns="" id="{116F38D7-FEC7-4AB6-A543-EB7CE902A700}"/>
               </a:ext>
             </a:extLst>
           </p:cNvPr>
@@ -2434,7 +2436,7 @@
           <p:cNvPr id="7" name="Slide Number Placeholder 6">
             <a:extLst>
               <a:ext uri="{FF2B5EF4-FFF2-40B4-BE49-F238E27FC236}">
-                <a16:creationId xmlns="" xmlns:a16="http://schemas.microsoft.com/office/drawing/2014/main" id="{6A411765-B8C5-4C77-BB33-FB4DA89CFCE1}"/>
+                <a16:creationId xmlns:a16="http://schemas.microsoft.com/office/drawing/2014/main" xmlns="" id="{6A411765-B8C5-4C77-BB33-FB4DA89CFCE1}"/>
               </a:ext>
             </a:extLst>
           </p:cNvPr>
@@ -2493,7 +2495,7 @@
           <p:cNvPr id="2" name="Title 1">
             <a:extLst>
               <a:ext uri="{FF2B5EF4-FFF2-40B4-BE49-F238E27FC236}">
-                <a16:creationId xmlns="" xmlns:a16="http://schemas.microsoft.com/office/drawing/2014/main" id="{E3067EB0-431E-489A-99CC-EA90381CDD44}"/>
+                <a16:creationId xmlns:a16="http://schemas.microsoft.com/office/drawing/2014/main" xmlns="" id="{E3067EB0-431E-489A-99CC-EA90381CDD44}"/>
               </a:ext>
             </a:extLst>
           </p:cNvPr>
@@ -2530,7 +2532,7 @@
           <p:cNvPr id="3" name="Picture Placeholder 2">
             <a:extLst>
               <a:ext uri="{FF2B5EF4-FFF2-40B4-BE49-F238E27FC236}">
-                <a16:creationId xmlns="" xmlns:a16="http://schemas.microsoft.com/office/drawing/2014/main" id="{E4E8303E-3FD4-4FC6-B5B6-8503A8C965DA}"/>
+                <a16:creationId xmlns:a16="http://schemas.microsoft.com/office/drawing/2014/main" xmlns="" id="{E4E8303E-3FD4-4FC6-B5B6-8503A8C965DA}"/>
               </a:ext>
             </a:extLst>
           </p:cNvPr>
@@ -2597,7 +2599,7 @@
           <p:cNvPr id="4" name="Text Placeholder 3">
             <a:extLst>
               <a:ext uri="{FF2B5EF4-FFF2-40B4-BE49-F238E27FC236}">
-                <a16:creationId xmlns="" xmlns:a16="http://schemas.microsoft.com/office/drawing/2014/main" id="{0D77C80F-B47D-4437-8818-AF759CFF8A8E}"/>
+                <a16:creationId xmlns:a16="http://schemas.microsoft.com/office/drawing/2014/main" xmlns="" id="{0D77C80F-B47D-4437-8818-AF759CFF8A8E}"/>
               </a:ext>
             </a:extLst>
           </p:cNvPr>
@@ -2668,7 +2670,7 @@
           <p:cNvPr id="5" name="Date Placeholder 4">
             <a:extLst>
               <a:ext uri="{FF2B5EF4-FFF2-40B4-BE49-F238E27FC236}">
-                <a16:creationId xmlns="" xmlns:a16="http://schemas.microsoft.com/office/drawing/2014/main" id="{4BCB89A1-B1D7-4532-87D4-0372878784A9}"/>
+                <a16:creationId xmlns:a16="http://schemas.microsoft.com/office/drawing/2014/main" xmlns="" id="{4BCB89A1-B1D7-4532-87D4-0372878784A9}"/>
               </a:ext>
             </a:extLst>
           </p:cNvPr>
@@ -2686,7 +2688,7 @@
           <a:p>
             <a:fld id="{8856D68C-D971-45E1-979D-046F9CF5A989}" type="datetimeFigureOut">
               <a:rPr lang="en-US" smtClean="0"/>
-              <a:t>12/10/2020</a:t>
+              <a:t>12/11/2020</a:t>
             </a:fld>
             <a:endParaRPr lang="en-US"/>
           </a:p>
@@ -2697,7 +2699,7 @@
           <p:cNvPr id="6" name="Footer Placeholder 5">
             <a:extLst>
               <a:ext uri="{FF2B5EF4-FFF2-40B4-BE49-F238E27FC236}">
-                <a16:creationId xmlns="" xmlns:a16="http://schemas.microsoft.com/office/drawing/2014/main" id="{DD4D13BA-0A08-42C0-B1E2-357A65B738CF}"/>
+                <a16:creationId xmlns:a16="http://schemas.microsoft.com/office/drawing/2014/main" xmlns="" id="{DD4D13BA-0A08-42C0-B1E2-357A65B738CF}"/>
               </a:ext>
             </a:extLst>
           </p:cNvPr>
@@ -2722,7 +2724,7 @@
           <p:cNvPr id="7" name="Slide Number Placeholder 6">
             <a:extLst>
               <a:ext uri="{FF2B5EF4-FFF2-40B4-BE49-F238E27FC236}">
-                <a16:creationId xmlns="" xmlns:a16="http://schemas.microsoft.com/office/drawing/2014/main" id="{2A25638A-AA36-45EC-8F55-FA404BEE2478}"/>
+                <a16:creationId xmlns:a16="http://schemas.microsoft.com/office/drawing/2014/main" xmlns="" id="{2A25638A-AA36-45EC-8F55-FA404BEE2478}"/>
               </a:ext>
             </a:extLst>
           </p:cNvPr>
@@ -2786,7 +2788,7 @@
           <p:cNvPr id="2" name="Title Placeholder 1">
             <a:extLst>
               <a:ext uri="{FF2B5EF4-FFF2-40B4-BE49-F238E27FC236}">
-                <a16:creationId xmlns="" xmlns:a16="http://schemas.microsoft.com/office/drawing/2014/main" id="{67CBD1EC-5860-4DAC-870C-03E8E5B1ADBA}"/>
+                <a16:creationId xmlns:a16="http://schemas.microsoft.com/office/drawing/2014/main" xmlns="" id="{67CBD1EC-5860-4DAC-870C-03E8E5B1ADBA}"/>
               </a:ext>
             </a:extLst>
           </p:cNvPr>
@@ -2824,7 +2826,7 @@
           <p:cNvPr id="3" name="Text Placeholder 2">
             <a:extLst>
               <a:ext uri="{FF2B5EF4-FFF2-40B4-BE49-F238E27FC236}">
-                <a16:creationId xmlns="" xmlns:a16="http://schemas.microsoft.com/office/drawing/2014/main" id="{CC355A61-22B9-4817-ABCC-2F8590FD74E2}"/>
+                <a16:creationId xmlns:a16="http://schemas.microsoft.com/office/drawing/2014/main" xmlns="" id="{CC355A61-22B9-4817-ABCC-2F8590FD74E2}"/>
               </a:ext>
             </a:extLst>
           </p:cNvPr>
@@ -2891,7 +2893,7 @@
           <p:cNvPr id="4" name="Date Placeholder 3">
             <a:extLst>
               <a:ext uri="{FF2B5EF4-FFF2-40B4-BE49-F238E27FC236}">
-                <a16:creationId xmlns="" xmlns:a16="http://schemas.microsoft.com/office/drawing/2014/main" id="{AB50C860-06A1-47F3-9927-29BEEC1E7C53}"/>
+                <a16:creationId xmlns:a16="http://schemas.microsoft.com/office/drawing/2014/main" xmlns="" id="{AB50C860-06A1-47F3-9927-29BEEC1E7C53}"/>
               </a:ext>
             </a:extLst>
           </p:cNvPr>
@@ -2927,7 +2929,7 @@
           <a:p>
             <a:fld id="{8856D68C-D971-45E1-979D-046F9CF5A989}" type="datetimeFigureOut">
               <a:rPr lang="en-US" smtClean="0"/>
-              <a:t>12/10/2020</a:t>
+              <a:t>12/11/2020</a:t>
             </a:fld>
             <a:endParaRPr lang="en-US"/>
           </a:p>
@@ -2938,7 +2940,7 @@
           <p:cNvPr id="5" name="Footer Placeholder 4">
             <a:extLst>
               <a:ext uri="{FF2B5EF4-FFF2-40B4-BE49-F238E27FC236}">
-                <a16:creationId xmlns="" xmlns:a16="http://schemas.microsoft.com/office/drawing/2014/main" id="{C139591B-B125-4CE6-A1D9-DF4BBEF49D9B}"/>
+                <a16:creationId xmlns:a16="http://schemas.microsoft.com/office/drawing/2014/main" xmlns="" id="{C139591B-B125-4CE6-A1D9-DF4BBEF49D9B}"/>
               </a:ext>
             </a:extLst>
           </p:cNvPr>
@@ -2981,7 +2983,7 @@
           <p:cNvPr id="6" name="Slide Number Placeholder 5">
             <a:extLst>
               <a:ext uri="{FF2B5EF4-FFF2-40B4-BE49-F238E27FC236}">
-                <a16:creationId xmlns="" xmlns:a16="http://schemas.microsoft.com/office/drawing/2014/main" id="{081D84CB-E4B8-4BF6-95EA-A919B6583D12}"/>
+                <a16:creationId xmlns:a16="http://schemas.microsoft.com/office/drawing/2014/main" xmlns="" id="{081D84CB-E4B8-4BF6-95EA-A919B6583D12}"/>
               </a:ext>
             </a:extLst>
           </p:cNvPr>
@@ -3349,7 +3351,7 @@
           <p:cNvPr id="2" name="Title 1">
             <a:extLst>
               <a:ext uri="{FF2B5EF4-FFF2-40B4-BE49-F238E27FC236}">
-                <a16:creationId xmlns="" xmlns:a16="http://schemas.microsoft.com/office/drawing/2014/main" id="{9113D418-29C8-475D-A9A4-970E79F4B8D0}"/>
+                <a16:creationId xmlns:a16="http://schemas.microsoft.com/office/drawing/2014/main" xmlns="" id="{9113D418-29C8-475D-A9A4-970E79F4B8D0}"/>
               </a:ext>
             </a:extLst>
           </p:cNvPr>
@@ -3385,7 +3387,7 @@
           <p:cNvPr id="3" name="Subtitle 2">
             <a:extLst>
               <a:ext uri="{FF2B5EF4-FFF2-40B4-BE49-F238E27FC236}">
-                <a16:creationId xmlns="" xmlns:a16="http://schemas.microsoft.com/office/drawing/2014/main" id="{1D2494A9-78B8-4563-BE1B-7926465C303F}"/>
+                <a16:creationId xmlns:a16="http://schemas.microsoft.com/office/drawing/2014/main" xmlns="" id="{1D2494A9-78B8-4563-BE1B-7926465C303F}"/>
               </a:ext>
             </a:extLst>
           </p:cNvPr>
@@ -3444,65 +3446,88 @@
       </p:grpSpPr>
       <p:sp>
         <p:nvSpPr>
-          <p:cNvPr id="2" name="Title 1">
-            <a:extLst>
-              <a:ext uri="{FF2B5EF4-FFF2-40B4-BE49-F238E27FC236}">
-                <a16:creationId xmlns="" xmlns:a16="http://schemas.microsoft.com/office/drawing/2014/main" id="{B3412628-CE5D-4CF6-ACDD-EC25BD7232A2}"/>
-              </a:ext>
-            </a:extLst>
-          </p:cNvPr>
-          <p:cNvSpPr>
-            <a:spLocks noGrp="1"/>
-          </p:cNvSpPr>
-          <p:nvPr>
-            <p:ph type="title"/>
-          </p:nvPr>
-        </p:nvSpPr>
-        <p:spPr/>
-        <p:txBody>
-          <a:bodyPr/>
-          <a:lstStyle/>
-          <a:p>
+          <p:cNvPr id="3" name="Content Placeholder 2">
+            <a:extLst>
+              <a:ext uri="{FF2B5EF4-FFF2-40B4-BE49-F238E27FC236}">
+                <a16:creationId xmlns:a16="http://schemas.microsoft.com/office/drawing/2014/main" xmlns="" id="{795B4226-F383-4E0D-BBE9-17ACEA2EEFA3}"/>
+              </a:ext>
+            </a:extLst>
+          </p:cNvPr>
+          <p:cNvSpPr>
+            <a:spLocks noGrp="1"/>
+          </p:cNvSpPr>
+          <p:nvPr>
+            <p:ph idx="1"/>
+          </p:nvPr>
+        </p:nvSpPr>
+        <p:spPr/>
+        <p:txBody>
+          <a:bodyPr/>
+          <a:lstStyle/>
+          <a:p>
+            <a:r>
+              <a:rPr lang="en-US" i="1" dirty="0"/>
+              <a:t>Was</a:t>
+            </a:r>
             <a:r>
               <a:rPr lang="en-US" dirty="0"/>
-              <a:t>Issue</a:t>
-            </a:r>
-          </a:p>
-        </p:txBody>
-      </p:sp>
-      <p:sp>
-        <p:nvSpPr>
-          <p:cNvPr id="3" name="Content Placeholder 2">
-            <a:extLst>
-              <a:ext uri="{FF2B5EF4-FFF2-40B4-BE49-F238E27FC236}">
-                <a16:creationId xmlns="" xmlns:a16="http://schemas.microsoft.com/office/drawing/2014/main" id="{E75B1C6F-CBB4-4EB8-AE93-7AC5B1CCAEF1}"/>
-              </a:ext>
-            </a:extLst>
-          </p:cNvPr>
-          <p:cNvSpPr>
-            <a:spLocks noGrp="1"/>
-          </p:cNvSpPr>
-          <p:nvPr>
-            <p:ph idx="1"/>
-          </p:nvPr>
-        </p:nvSpPr>
-        <p:spPr/>
-        <p:txBody>
-          <a:bodyPr/>
-          <a:lstStyle/>
-          <a:p>
+              <a:t>: </a:t>
+            </a:r>
             <a:r>
               <a:rPr lang="en-US" dirty="0" smtClean="0"/>
               <a:t>…</a:t>
             </a:r>
-            <a:endParaRPr lang="en-US" i="1" dirty="0"/>
+            <a:endParaRPr lang="en-US" dirty="0"/>
+          </a:p>
+          <a:p>
+            <a:r>
+              <a:rPr lang="en-US" i="1" dirty="0"/>
+              <a:t>Should</a:t>
+            </a:r>
+            <a:r>
+              <a:rPr lang="en-US" dirty="0"/>
+              <a:t> </a:t>
+            </a:r>
+            <a:r>
+              <a:rPr lang="en-US" dirty="0" smtClean="0"/>
+              <a:t>…</a:t>
+            </a:r>
+            <a:endParaRPr lang="en-US" dirty="0"/>
+          </a:p>
+        </p:txBody>
+      </p:sp>
+      <p:sp>
+        <p:nvSpPr>
+          <p:cNvPr id="6" name="Title 5">
+            <a:extLst>
+              <a:ext uri="{FF2B5EF4-FFF2-40B4-BE49-F238E27FC236}">
+                <a16:creationId xmlns:a16="http://schemas.microsoft.com/office/drawing/2014/main" xmlns="" id="{EB9053CC-AE10-4AA2-9AB8-192719CD5677}"/>
+              </a:ext>
+            </a:extLst>
+          </p:cNvPr>
+          <p:cNvSpPr>
+            <a:spLocks noGrp="1"/>
+          </p:cNvSpPr>
+          <p:nvPr>
+            <p:ph type="title"/>
+          </p:nvPr>
+        </p:nvSpPr>
+        <p:spPr/>
+        <p:txBody>
+          <a:bodyPr/>
+          <a:lstStyle/>
+          <a:p>
+            <a:r>
+              <a:rPr lang="en-US" dirty="0"/>
+              <a:t>Task</a:t>
+            </a:r>
           </a:p>
         </p:txBody>
       </p:sp>
     </p:spTree>
     <p:extLst>
       <p:ext uri="{BB962C8B-B14F-4D97-AF65-F5344CB8AC3E}">
-        <p14:creationId xmlns:p14="http://schemas.microsoft.com/office/powerpoint/2010/main" val="2509918235"/>
+        <p14:creationId xmlns:p14="http://schemas.microsoft.com/office/powerpoint/2010/main" val="3144492638"/>
       </p:ext>
     </p:extLst>
   </p:cSld>
@@ -3541,7 +3566,7 @@
           <p:cNvPr id="2" name="Title 1">
             <a:extLst>
               <a:ext uri="{FF2B5EF4-FFF2-40B4-BE49-F238E27FC236}">
-                <a16:creationId xmlns="" xmlns:a16="http://schemas.microsoft.com/office/drawing/2014/main" id="{454B0951-E0D6-4BE0-9D42-63BD60E18FF5}"/>
+                <a16:creationId xmlns:a16="http://schemas.microsoft.com/office/drawing/2014/main" xmlns="" id="{DBB598D9-D219-4DBB-BFA5-EAC071F7B166}"/>
               </a:ext>
             </a:extLst>
           </p:cNvPr>
@@ -3559,7 +3584,7 @@
           <a:p>
             <a:r>
               <a:rPr lang="en-US" dirty="0"/>
-              <a:t>Root cause</a:t>
+              <a:t>Initial implementation</a:t>
             </a:r>
           </a:p>
         </p:txBody>
@@ -3569,7 +3594,7 @@
           <p:cNvPr id="3" name="Content Placeholder 2">
             <a:extLst>
               <a:ext uri="{FF2B5EF4-FFF2-40B4-BE49-F238E27FC236}">
-                <a16:creationId xmlns="" xmlns:a16="http://schemas.microsoft.com/office/drawing/2014/main" id="{0269CB01-B0C3-4D7E-8521-6037D6B02E47}"/>
+                <a16:creationId xmlns:a16="http://schemas.microsoft.com/office/drawing/2014/main" xmlns="" id="{CEFA3EB1-EE5F-4865-B0BC-546C818C6B79}"/>
               </a:ext>
             </a:extLst>
           </p:cNvPr>
@@ -3587,6 +3612,20 @@
           <a:p>
             <a:r>
               <a:rPr lang="en-US" dirty="0" smtClean="0"/>
+              <a:t>Domain specific </a:t>
+            </a:r>
+            <a:r>
+              <a:rPr lang="en-US" b="1" dirty="0" smtClean="0"/>
+              <a:t>feature flag</a:t>
+            </a:r>
+            <a:r>
+              <a:rPr lang="en-US" dirty="0" smtClean="0"/>
+              <a:t> was added (wrong by feature flag conception)</a:t>
+            </a:r>
+          </a:p>
+          <a:p>
+            <a:r>
+              <a:rPr lang="en-US" i="1" dirty="0" smtClean="0"/>
               <a:t>…</a:t>
             </a:r>
             <a:endParaRPr lang="en-US" dirty="0"/>
@@ -3596,7 +3635,7 @@
     </p:spTree>
     <p:extLst>
       <p:ext uri="{BB962C8B-B14F-4D97-AF65-F5344CB8AC3E}">
-        <p14:creationId xmlns:p14="http://schemas.microsoft.com/office/powerpoint/2010/main" val="3963891347"/>
+        <p14:creationId xmlns:p14="http://schemas.microsoft.com/office/powerpoint/2010/main" val="1590651848"/>
       </p:ext>
     </p:extLst>
   </p:cSld>
@@ -3635,7 +3674,7 @@
           <p:cNvPr id="2" name="Title 1">
             <a:extLst>
               <a:ext uri="{FF2B5EF4-FFF2-40B4-BE49-F238E27FC236}">
-                <a16:creationId xmlns="" xmlns:a16="http://schemas.microsoft.com/office/drawing/2014/main" id="{C0DF409D-0F43-4259-A746-6300DDC9B0AF}"/>
+                <a16:creationId xmlns:a16="http://schemas.microsoft.com/office/drawing/2014/main" xmlns="" id="{B3412628-CE5D-4CF6-ACDD-EC25BD7232A2}"/>
               </a:ext>
             </a:extLst>
           </p:cNvPr>
@@ -3653,7 +3692,7 @@
           <a:p>
             <a:r>
               <a:rPr lang="en-US" dirty="0"/>
-              <a:t>Fix</a:t>
+              <a:t>Issue</a:t>
             </a:r>
           </a:p>
         </p:txBody>
@@ -3663,7 +3702,7 @@
           <p:cNvPr id="3" name="Content Placeholder 2">
             <a:extLst>
               <a:ext uri="{FF2B5EF4-FFF2-40B4-BE49-F238E27FC236}">
-                <a16:creationId xmlns="" xmlns:a16="http://schemas.microsoft.com/office/drawing/2014/main" id="{A4A29326-1906-4DB9-978F-7C4B8BB68315}"/>
+                <a16:creationId xmlns:a16="http://schemas.microsoft.com/office/drawing/2014/main" xmlns="" id="{E75B1C6F-CBB4-4EB8-AE93-7AC5B1CCAEF1}"/>
               </a:ext>
             </a:extLst>
           </p:cNvPr>
@@ -3680,7 +3719,7 @@
           <a:lstStyle/>
           <a:p>
             <a:r>
-              <a:rPr lang="en-US" i="1" dirty="0" smtClean="0"/>
+              <a:rPr lang="en-US" dirty="0" smtClean="0"/>
               <a:t>…</a:t>
             </a:r>
             <a:endParaRPr lang="en-US" i="1" dirty="0"/>
@@ -3690,7 +3729,7 @@
     </p:spTree>
     <p:extLst>
       <p:ext uri="{BB962C8B-B14F-4D97-AF65-F5344CB8AC3E}">
-        <p14:creationId xmlns:p14="http://schemas.microsoft.com/office/powerpoint/2010/main" val="461820441"/>
+        <p14:creationId xmlns:p14="http://schemas.microsoft.com/office/powerpoint/2010/main" val="2509918235"/>
       </p:ext>
     </p:extLst>
   </p:cSld>
@@ -3729,7 +3768,7 @@
           <p:cNvPr id="2" name="Title 1">
             <a:extLst>
               <a:ext uri="{FF2B5EF4-FFF2-40B4-BE49-F238E27FC236}">
-                <a16:creationId xmlns="" xmlns:a16="http://schemas.microsoft.com/office/drawing/2014/main" id="{0953B023-2E79-4CB3-8031-87995A6EFB5A}"/>
+                <a16:creationId xmlns:a16="http://schemas.microsoft.com/office/drawing/2014/main" xmlns="" id="{454B0951-E0D6-4BE0-9D42-63BD60E18FF5}"/>
               </a:ext>
             </a:extLst>
           </p:cNvPr>
@@ -3740,27 +3779,51 @@
             <p:ph type="title"/>
           </p:nvPr>
         </p:nvSpPr>
-        <p:spPr>
-          <a:xfrm>
-            <a:off x="4722303" y="2766218"/>
-            <a:ext cx="4669604" cy="1325563"/>
-          </a:xfrm>
-        </p:spPr>
+        <p:spPr/>
         <p:txBody>
           <a:bodyPr/>
           <a:lstStyle/>
           <a:p>
             <a:r>
               <a:rPr lang="en-US" dirty="0"/>
-              <a:t>Example 2</a:t>
-            </a:r>
+              <a:t>Root cause</a:t>
+            </a:r>
+          </a:p>
+        </p:txBody>
+      </p:sp>
+      <p:sp>
+        <p:nvSpPr>
+          <p:cNvPr id="3" name="Content Placeholder 2">
+            <a:extLst>
+              <a:ext uri="{FF2B5EF4-FFF2-40B4-BE49-F238E27FC236}">
+                <a16:creationId xmlns:a16="http://schemas.microsoft.com/office/drawing/2014/main" xmlns="" id="{0269CB01-B0C3-4D7E-8521-6037D6B02E47}"/>
+              </a:ext>
+            </a:extLst>
+          </p:cNvPr>
+          <p:cNvSpPr>
+            <a:spLocks noGrp="1"/>
+          </p:cNvSpPr>
+          <p:nvPr>
+            <p:ph idx="1"/>
+          </p:nvPr>
+        </p:nvSpPr>
+        <p:spPr/>
+        <p:txBody>
+          <a:bodyPr/>
+          <a:lstStyle/>
+          <a:p>
+            <a:r>
+              <a:rPr lang="en-US" dirty="0" smtClean="0"/>
+              <a:t>…</a:t>
+            </a:r>
+            <a:endParaRPr lang="en-US" dirty="0"/>
           </a:p>
         </p:txBody>
       </p:sp>
     </p:spTree>
     <p:extLst>
       <p:ext uri="{BB962C8B-B14F-4D97-AF65-F5344CB8AC3E}">
-        <p14:creationId xmlns:p14="http://schemas.microsoft.com/office/powerpoint/2010/main" val="1275843953"/>
+        <p14:creationId xmlns:p14="http://schemas.microsoft.com/office/powerpoint/2010/main" val="3963891347"/>
       </p:ext>
     </p:extLst>
   </p:cSld>
@@ -3799,7 +3862,7 @@
           <p:cNvPr id="2" name="Title 1">
             <a:extLst>
               <a:ext uri="{FF2B5EF4-FFF2-40B4-BE49-F238E27FC236}">
-                <a16:creationId xmlns="" xmlns:a16="http://schemas.microsoft.com/office/drawing/2014/main" id="{8B063144-C0B8-48C2-ACA2-867FEAADDCFC}"/>
+                <a16:creationId xmlns:a16="http://schemas.microsoft.com/office/drawing/2014/main" xmlns="" id="{C0DF409D-0F43-4259-A746-6300DDC9B0AF}"/>
               </a:ext>
             </a:extLst>
           </p:cNvPr>
@@ -3817,7 +3880,7 @@
           <a:p>
             <a:r>
               <a:rPr lang="en-US" dirty="0"/>
-              <a:t>Task</a:t>
+              <a:t>Fix</a:t>
             </a:r>
           </a:p>
         </p:txBody>
@@ -3827,7 +3890,7 @@
           <p:cNvPr id="3" name="Content Placeholder 2">
             <a:extLst>
               <a:ext uri="{FF2B5EF4-FFF2-40B4-BE49-F238E27FC236}">
-                <a16:creationId xmlns="" xmlns:a16="http://schemas.microsoft.com/office/drawing/2014/main" id="{DFF53CE5-DD0F-4592-ABBD-8AF139DA6C7D}"/>
+                <a16:creationId xmlns:a16="http://schemas.microsoft.com/office/drawing/2014/main" xmlns="" id="{A4A29326-1906-4DB9-978F-7C4B8BB68315}"/>
               </a:ext>
             </a:extLst>
           </p:cNvPr>
@@ -3844,17 +3907,17 @@
           <a:lstStyle/>
           <a:p>
             <a:r>
-              <a:rPr lang="en-US" dirty="0" smtClean="0"/>
+              <a:rPr lang="en-US" i="1" dirty="0" smtClean="0"/>
               <a:t>…</a:t>
             </a:r>
-            <a:endParaRPr lang="en-US" dirty="0"/>
+            <a:endParaRPr lang="en-US" i="1" dirty="0"/>
           </a:p>
         </p:txBody>
       </p:sp>
     </p:spTree>
     <p:extLst>
       <p:ext uri="{BB962C8B-B14F-4D97-AF65-F5344CB8AC3E}">
-        <p14:creationId xmlns:p14="http://schemas.microsoft.com/office/powerpoint/2010/main" val="722582381"/>
+        <p14:creationId xmlns:p14="http://schemas.microsoft.com/office/powerpoint/2010/main" val="461820441"/>
       </p:ext>
     </p:extLst>
   </p:cSld>
@@ -3893,7 +3956,7 @@
           <p:cNvPr id="2" name="Title 1">
             <a:extLst>
               <a:ext uri="{FF2B5EF4-FFF2-40B4-BE49-F238E27FC236}">
-                <a16:creationId xmlns="" xmlns:a16="http://schemas.microsoft.com/office/drawing/2014/main" id="{B5688A12-BDB4-489B-B2EC-43795470118E}"/>
+                <a16:creationId xmlns:a16="http://schemas.microsoft.com/office/drawing/2014/main" xmlns="" id="{0953B023-2E79-4CB3-8031-87995A6EFB5A}"/>
               </a:ext>
             </a:extLst>
           </p:cNvPr>
@@ -3904,140 +3967,27 @@
             <p:ph type="title"/>
           </p:nvPr>
         </p:nvSpPr>
-        <p:spPr/>
+        <p:spPr>
+          <a:xfrm>
+            <a:off x="4722303" y="2766218"/>
+            <a:ext cx="4669604" cy="1325563"/>
+          </a:xfrm>
+        </p:spPr>
         <p:txBody>
           <a:bodyPr/>
           <a:lstStyle/>
           <a:p>
             <a:r>
               <a:rPr lang="en-US" dirty="0"/>
-              <a:t>Solution</a:t>
-            </a:r>
-          </a:p>
-        </p:txBody>
-      </p:sp>
-      <p:sp>
-        <p:nvSpPr>
-          <p:cNvPr id="3" name="Content Placeholder 2">
-            <a:extLst>
-              <a:ext uri="{FF2B5EF4-FFF2-40B4-BE49-F238E27FC236}">
-                <a16:creationId xmlns="" xmlns:a16="http://schemas.microsoft.com/office/drawing/2014/main" id="{D98BDB2A-9674-4FD9-86AC-596B31E5952F}"/>
-              </a:ext>
-            </a:extLst>
-          </p:cNvPr>
-          <p:cNvSpPr>
-            <a:spLocks noGrp="1"/>
-          </p:cNvSpPr>
-          <p:nvPr>
-            <p:ph idx="1"/>
-          </p:nvPr>
-        </p:nvSpPr>
-        <p:spPr/>
-        <p:txBody>
-          <a:bodyPr>
-            <a:normAutofit/>
-          </a:bodyPr>
-          <a:lstStyle/>
-          <a:p>
-            <a:r>
-              <a:rPr lang="en-US" dirty="0"/>
-              <a:t>Feature flag is an over engineering for </a:t>
-            </a:r>
-            <a:r>
-              <a:rPr lang="en-US" dirty="0" smtClean="0"/>
-              <a:t>this feature</a:t>
-            </a:r>
-            <a:endParaRPr lang="en-US" dirty="0"/>
-          </a:p>
-          <a:p>
-            <a:r>
-              <a:rPr lang="en-US" dirty="0"/>
-              <a:t>We can configure expiration value in </a:t>
-            </a:r>
-            <a:r>
-              <a:rPr lang="en-US" i="1" dirty="0" err="1"/>
-              <a:t>web.config</a:t>
-            </a:r>
-            <a:endParaRPr lang="en-US" dirty="0"/>
-          </a:p>
-          <a:p>
-            <a:r>
-              <a:rPr lang="en-US" dirty="0"/>
-              <a:t>There is </a:t>
-            </a:r>
-            <a:r>
-              <a:rPr lang="en-US" b="1" dirty="0"/>
-              <a:t>additional deploy with simple config update</a:t>
-            </a:r>
-            <a:r>
-              <a:rPr lang="en-US" dirty="0"/>
-              <a:t> is needed to apply </a:t>
-            </a:r>
-            <a:r>
-              <a:rPr lang="en-US" dirty="0" smtClean="0"/>
-              <a:t>feature</a:t>
-            </a:r>
-          </a:p>
-          <a:p>
-            <a:r>
-              <a:rPr lang="en-US" dirty="0" err="1" smtClean="0"/>
-              <a:t>Config</a:t>
-            </a:r>
-            <a:r>
-              <a:rPr lang="en-US" dirty="0" smtClean="0"/>
-              <a:t> </a:t>
-            </a:r>
-            <a:r>
-              <a:rPr lang="en-US" dirty="0"/>
-              <a:t>update and redeploy </a:t>
-            </a:r>
-            <a:r>
-              <a:rPr lang="en-US" b="1" dirty="0"/>
-              <a:t>are simpler and less error-prone</a:t>
-            </a:r>
-            <a:r>
-              <a:rPr lang="en-US" dirty="0"/>
-              <a:t> than feature flag removal from code and DB in this case</a:t>
-            </a:r>
-          </a:p>
-          <a:p>
-            <a:pPr marL="0" indent="0">
-              <a:buNone/>
-            </a:pPr>
-            <a:endParaRPr lang="en-US" dirty="0"/>
-          </a:p>
-          <a:p>
-            <a:pPr marL="0" indent="0">
-              <a:buNone/>
-            </a:pPr>
-            <a:r>
-              <a:rPr lang="en-US" b="1" dirty="0"/>
-              <a:t>=&gt;</a:t>
-            </a:r>
-            <a:r>
-              <a:rPr lang="en-US" dirty="0"/>
-              <a:t> There is no need in a feature flag as we can override the </a:t>
-            </a:r>
-            <a:r>
-              <a:rPr lang="en-US" dirty="0" smtClean="0"/>
-              <a:t>value </a:t>
-            </a:r>
-            <a:r>
-              <a:rPr lang="en-US" dirty="0"/>
-              <a:t>in </a:t>
-            </a:r>
-            <a:r>
-              <a:rPr lang="en-US" dirty="0" err="1" smtClean="0"/>
-              <a:t>web.config</a:t>
-            </a:r>
-            <a:endParaRPr lang="en-US" dirty="0"/>
+              <a:t>Example 2</a:t>
+            </a:r>
           </a:p>
         </p:txBody>
       </p:sp>
     </p:spTree>
     <p:extLst>
       <p:ext uri="{BB962C8B-B14F-4D97-AF65-F5344CB8AC3E}">
-        <p14:creationId xmlns:p14="http://schemas.microsoft.com/office/powerpoint/2010/main" val="929592642"/>
+        <p14:creationId xmlns:p14="http://schemas.microsoft.com/office/powerpoint/2010/main" val="1275843953"/>
       </p:ext>
     </p:extLst>
   </p:cSld>
@@ -4076,7 +4026,7 @@
           <p:cNvPr id="2" name="Title 1">
             <a:extLst>
               <a:ext uri="{FF2B5EF4-FFF2-40B4-BE49-F238E27FC236}">
-                <a16:creationId xmlns="" xmlns:a16="http://schemas.microsoft.com/office/drawing/2014/main" id="{6817646F-7F6E-4002-AE65-3190707B4AA7}"/>
+                <a16:creationId xmlns:a16="http://schemas.microsoft.com/office/drawing/2014/main" xmlns="" id="{8B063144-C0B8-48C2-ACA2-867FEAADDCFC}"/>
               </a:ext>
             </a:extLst>
           </p:cNvPr>
@@ -4087,23 +4037,14 @@
             <p:ph type="title"/>
           </p:nvPr>
         </p:nvSpPr>
-        <p:spPr>
-          <a:xfrm>
-            <a:off x="3916960" y="2915378"/>
-            <a:ext cx="7166935" cy="1325563"/>
-          </a:xfrm>
-        </p:spPr>
-        <p:txBody>
-          <a:bodyPr/>
-          <a:lstStyle/>
-          <a:p>
-            <a:r>
-              <a:rPr lang="en-US" b="1" dirty="0" err="1"/>
-              <a:t>web.config</a:t>
-            </a:r>
-            <a:r>
-              <a:rPr lang="en-US" b="1" dirty="0"/>
-              <a:t> won</a:t>
+        <p:spPr/>
+        <p:txBody>
+          <a:bodyPr/>
+          <a:lstStyle/>
+          <a:p>
+            <a:r>
+              <a:rPr lang="en-US" dirty="0"/>
+              <a:t>Task</a:t>
             </a:r>
           </a:p>
         </p:txBody>
@@ -4113,7 +4054,7 @@
           <p:cNvPr id="3" name="Content Placeholder 2">
             <a:extLst>
               <a:ext uri="{FF2B5EF4-FFF2-40B4-BE49-F238E27FC236}">
-                <a16:creationId xmlns="" xmlns:a16="http://schemas.microsoft.com/office/drawing/2014/main" id="{9833F608-8ECE-451C-8951-6E46E1B6944B}"/>
+                <a16:creationId xmlns:a16="http://schemas.microsoft.com/office/drawing/2014/main" xmlns="" id="{DFF53CE5-DD0F-4592-ABBD-8AF139DA6C7D}"/>
               </a:ext>
             </a:extLst>
           </p:cNvPr>
@@ -4129,9 +4070,10 @@
           <a:bodyPr/>
           <a:lstStyle/>
           <a:p>
-            <a:pPr marL="0" indent="0">
-              <a:buNone/>
-            </a:pPr>
+            <a:r>
+              <a:rPr lang="en-US" dirty="0" smtClean="0"/>
+              <a:t>…</a:t>
+            </a:r>
             <a:endParaRPr lang="en-US" dirty="0"/>
           </a:p>
         </p:txBody>
@@ -4139,7 +4081,7 @@
     </p:spTree>
     <p:extLst>
       <p:ext uri="{BB962C8B-B14F-4D97-AF65-F5344CB8AC3E}">
-        <p14:creationId xmlns:p14="http://schemas.microsoft.com/office/powerpoint/2010/main" val="640256524"/>
+        <p14:creationId xmlns:p14="http://schemas.microsoft.com/office/powerpoint/2010/main" val="722582381"/>
       </p:ext>
     </p:extLst>
   </p:cSld>
@@ -4178,7 +4120,7 @@
           <p:cNvPr id="2" name="Title 1">
             <a:extLst>
               <a:ext uri="{FF2B5EF4-FFF2-40B4-BE49-F238E27FC236}">
-                <a16:creationId xmlns="" xmlns:a16="http://schemas.microsoft.com/office/drawing/2014/main" id="{73EA9063-DDD9-445C-A8ED-42F91D665A7C}"/>
+                <a16:creationId xmlns:a16="http://schemas.microsoft.com/office/drawing/2014/main" xmlns="" id="{B5688A12-BDB4-489B-B2EC-43795470118E}"/>
               </a:ext>
             </a:extLst>
           </p:cNvPr>
@@ -4196,8 +4138,322 @@
           <a:p>
             <a:r>
               <a:rPr lang="en-US" dirty="0"/>
-              <a:t>Edge cases</a:t>
-            </a:r>
+              <a:t>Solution</a:t>
+            </a:r>
+          </a:p>
+        </p:txBody>
+      </p:sp>
+      <p:sp>
+        <p:nvSpPr>
+          <p:cNvPr id="3" name="Content Placeholder 2">
+            <a:extLst>
+              <a:ext uri="{FF2B5EF4-FFF2-40B4-BE49-F238E27FC236}">
+                <a16:creationId xmlns:a16="http://schemas.microsoft.com/office/drawing/2014/main" xmlns="" id="{D98BDB2A-9674-4FD9-86AC-596B31E5952F}"/>
+              </a:ext>
+            </a:extLst>
+          </p:cNvPr>
+          <p:cNvSpPr>
+            <a:spLocks noGrp="1"/>
+          </p:cNvSpPr>
+          <p:nvPr>
+            <p:ph idx="1"/>
+          </p:nvPr>
+        </p:nvSpPr>
+        <p:spPr/>
+        <p:txBody>
+          <a:bodyPr>
+            <a:normAutofit lnSpcReduction="10000"/>
+          </a:bodyPr>
+          <a:lstStyle/>
+          <a:p>
+            <a:r>
+              <a:rPr lang="en-US" dirty="0"/>
+              <a:t>Feature flag is an over engineering for </a:t>
+            </a:r>
+            <a:r>
+              <a:rPr lang="en-US" dirty="0" smtClean="0"/>
+              <a:t>this feature</a:t>
+            </a:r>
+            <a:endParaRPr lang="en-US" dirty="0"/>
+          </a:p>
+          <a:p>
+            <a:r>
+              <a:rPr lang="en-US" dirty="0"/>
+              <a:t>We can configure expiration value in </a:t>
+            </a:r>
+            <a:r>
+              <a:rPr lang="en-US" i="1" dirty="0" err="1"/>
+              <a:t>web.config</a:t>
+            </a:r>
+            <a:endParaRPr lang="en-US" dirty="0"/>
+          </a:p>
+          <a:p>
+            <a:r>
+              <a:rPr lang="en-US" dirty="0"/>
+              <a:t>There is </a:t>
+            </a:r>
+            <a:r>
+              <a:rPr lang="en-US" b="1" dirty="0"/>
+              <a:t>additional </a:t>
+            </a:r>
+            <a:r>
+              <a:rPr lang="en-US" b="1" dirty="0" smtClean="0"/>
+              <a:t>deployment </a:t>
+            </a:r>
+            <a:r>
+              <a:rPr lang="en-US" b="1" dirty="0"/>
+              <a:t>with simple config update</a:t>
+            </a:r>
+            <a:r>
+              <a:rPr lang="en-US" dirty="0"/>
+              <a:t> is needed to apply </a:t>
+            </a:r>
+            <a:r>
+              <a:rPr lang="en-US" dirty="0" smtClean="0"/>
+              <a:t>feature</a:t>
+            </a:r>
+          </a:p>
+          <a:p>
+            <a:r>
+              <a:rPr lang="en-US" dirty="0" err="1" smtClean="0"/>
+              <a:t>Config</a:t>
+            </a:r>
+            <a:r>
+              <a:rPr lang="en-US" dirty="0" smtClean="0"/>
+              <a:t> </a:t>
+            </a:r>
+            <a:r>
+              <a:rPr lang="en-US" dirty="0"/>
+              <a:t>update and </a:t>
+            </a:r>
+            <a:r>
+              <a:rPr lang="en-US" dirty="0" smtClean="0"/>
+              <a:t>redeployment </a:t>
+            </a:r>
+            <a:r>
+              <a:rPr lang="en-US" b="1" dirty="0"/>
+              <a:t>are simpler and less error-prone</a:t>
+            </a:r>
+            <a:r>
+              <a:rPr lang="en-US" dirty="0"/>
+              <a:t> than feature flag removal from </a:t>
+            </a:r>
+            <a:r>
+              <a:rPr lang="en-US" dirty="0" smtClean="0"/>
+              <a:t>code base </a:t>
+            </a:r>
+            <a:r>
+              <a:rPr lang="en-US" dirty="0"/>
+              <a:t>and </a:t>
+            </a:r>
+            <a:r>
+              <a:rPr lang="en-US" dirty="0" smtClean="0"/>
+              <a:t>feature flags storage </a:t>
+            </a:r>
+            <a:r>
+              <a:rPr lang="en-US" dirty="0"/>
+              <a:t>in this case</a:t>
+            </a:r>
+          </a:p>
+          <a:p>
+            <a:pPr marL="0" indent="0">
+              <a:buNone/>
+            </a:pPr>
+            <a:endParaRPr lang="en-US" dirty="0"/>
+          </a:p>
+          <a:p>
+            <a:pPr marL="0" indent="0">
+              <a:buNone/>
+            </a:pPr>
+            <a:r>
+              <a:rPr lang="en-US" b="1" dirty="0"/>
+              <a:t>=&gt;</a:t>
+            </a:r>
+            <a:r>
+              <a:rPr lang="en-US" dirty="0"/>
+              <a:t> There is no need in a feature flag as we can override the </a:t>
+            </a:r>
+            <a:r>
+              <a:rPr lang="en-US" dirty="0" smtClean="0"/>
+              <a:t>value </a:t>
+            </a:r>
+            <a:r>
+              <a:rPr lang="en-US" dirty="0"/>
+              <a:t>in </a:t>
+            </a:r>
+            <a:r>
+              <a:rPr lang="en-US" dirty="0" err="1" smtClean="0"/>
+              <a:t>web.config</a:t>
+            </a:r>
+            <a:endParaRPr lang="en-US" dirty="0"/>
+          </a:p>
+        </p:txBody>
+      </p:sp>
+    </p:spTree>
+    <p:extLst>
+      <p:ext uri="{BB962C8B-B14F-4D97-AF65-F5344CB8AC3E}">
+        <p14:creationId xmlns:p14="http://schemas.microsoft.com/office/powerpoint/2010/main" val="929592642"/>
+      </p:ext>
+    </p:extLst>
+  </p:cSld>
+  <p:clrMapOvr>
+    <a:masterClrMapping/>
+  </p:clrMapOvr>
+  <p:timing>
+    <p:tnLst>
+      <p:par>
+        <p:cTn id="1" dur="indefinite" restart="never" nodeType="tmRoot"/>
+      </p:par>
+    </p:tnLst>
+  </p:timing>
+</p:sld>
+</file>
+
+<file path=ppt/slides/slide18.xml><?xml version="1.0" encoding="utf-8"?>
+<p:sld xmlns:a="http://schemas.openxmlformats.org/drawingml/2006/main" xmlns:r="http://schemas.openxmlformats.org/officeDocument/2006/relationships" xmlns:p="http://schemas.openxmlformats.org/presentationml/2006/main">
+  <p:cSld>
+    <p:spTree>
+      <p:nvGrpSpPr>
+        <p:cNvPr id="1" name=""/>
+        <p:cNvGrpSpPr/>
+        <p:nvPr/>
+      </p:nvGrpSpPr>
+      <p:grpSpPr>
+        <a:xfrm>
+          <a:off x="0" y="0"/>
+          <a:ext cx="0" cy="0"/>
+          <a:chOff x="0" y="0"/>
+          <a:chExt cx="0" cy="0"/>
+        </a:xfrm>
+      </p:grpSpPr>
+      <p:sp>
+        <p:nvSpPr>
+          <p:cNvPr id="2" name="Title 1">
+            <a:extLst>
+              <a:ext uri="{FF2B5EF4-FFF2-40B4-BE49-F238E27FC236}">
+                <a16:creationId xmlns:a16="http://schemas.microsoft.com/office/drawing/2014/main" xmlns="" id="{6817646F-7F6E-4002-AE65-3190707B4AA7}"/>
+              </a:ext>
+            </a:extLst>
+          </p:cNvPr>
+          <p:cNvSpPr>
+            <a:spLocks noGrp="1"/>
+          </p:cNvSpPr>
+          <p:nvPr>
+            <p:ph type="title"/>
+          </p:nvPr>
+        </p:nvSpPr>
+        <p:spPr>
+          <a:xfrm>
+            <a:off x="3916960" y="2915378"/>
+            <a:ext cx="7166935" cy="1325563"/>
+          </a:xfrm>
+        </p:spPr>
+        <p:txBody>
+          <a:bodyPr/>
+          <a:lstStyle/>
+          <a:p>
+            <a:r>
+              <a:rPr lang="en-US" b="1" dirty="0" err="1"/>
+              <a:t>web.config</a:t>
+            </a:r>
+            <a:r>
+              <a:rPr lang="en-US" b="1" dirty="0"/>
+              <a:t> won</a:t>
+            </a:r>
+          </a:p>
+        </p:txBody>
+      </p:sp>
+      <p:sp>
+        <p:nvSpPr>
+          <p:cNvPr id="3" name="Content Placeholder 2">
+            <a:extLst>
+              <a:ext uri="{FF2B5EF4-FFF2-40B4-BE49-F238E27FC236}">
+                <a16:creationId xmlns:a16="http://schemas.microsoft.com/office/drawing/2014/main" xmlns="" id="{9833F608-8ECE-451C-8951-6E46E1B6944B}"/>
+              </a:ext>
+            </a:extLst>
+          </p:cNvPr>
+          <p:cNvSpPr>
+            <a:spLocks noGrp="1"/>
+          </p:cNvSpPr>
+          <p:nvPr>
+            <p:ph idx="1"/>
+          </p:nvPr>
+        </p:nvSpPr>
+        <p:spPr/>
+        <p:txBody>
+          <a:bodyPr/>
+          <a:lstStyle/>
+          <a:p>
+            <a:pPr marL="0" indent="0">
+              <a:buNone/>
+            </a:pPr>
+            <a:endParaRPr lang="en-US" dirty="0"/>
+          </a:p>
+        </p:txBody>
+      </p:sp>
+    </p:spTree>
+    <p:extLst>
+      <p:ext uri="{BB962C8B-B14F-4D97-AF65-F5344CB8AC3E}">
+        <p14:creationId xmlns:p14="http://schemas.microsoft.com/office/powerpoint/2010/main" val="640256524"/>
+      </p:ext>
+    </p:extLst>
+  </p:cSld>
+  <p:clrMapOvr>
+    <a:masterClrMapping/>
+  </p:clrMapOvr>
+  <p:timing>
+    <p:tnLst>
+      <p:par>
+        <p:cTn id="1" dur="indefinite" restart="never" nodeType="tmRoot"/>
+      </p:par>
+    </p:tnLst>
+  </p:timing>
+</p:sld>
+</file>
+
+<file path=ppt/slides/slide19.xml><?xml version="1.0" encoding="utf-8"?>
+<p:sld xmlns:a="http://schemas.openxmlformats.org/drawingml/2006/main" xmlns:r="http://schemas.openxmlformats.org/officeDocument/2006/relationships" xmlns:p="http://schemas.openxmlformats.org/presentationml/2006/main">
+  <p:cSld>
+    <p:spTree>
+      <p:nvGrpSpPr>
+        <p:cNvPr id="1" name=""/>
+        <p:cNvGrpSpPr/>
+        <p:nvPr/>
+      </p:nvGrpSpPr>
+      <p:grpSpPr>
+        <a:xfrm>
+          <a:off x="0" y="0"/>
+          <a:ext cx="0" cy="0"/>
+          <a:chOff x="0" y="0"/>
+          <a:chExt cx="0" cy="0"/>
+        </a:xfrm>
+      </p:grpSpPr>
+      <p:sp>
+        <p:nvSpPr>
+          <p:cNvPr id="2" name="Title 1">
+            <a:extLst>
+              <a:ext uri="{FF2B5EF4-FFF2-40B4-BE49-F238E27FC236}">
+                <a16:creationId xmlns:a16="http://schemas.microsoft.com/office/drawing/2014/main" xmlns="" id="{73EA9063-DDD9-445C-A8ED-42F91D665A7C}"/>
+              </a:ext>
+            </a:extLst>
+          </p:cNvPr>
+          <p:cNvSpPr>
+            <a:spLocks noGrp="1"/>
+          </p:cNvSpPr>
+          <p:nvPr>
+            <p:ph type="title"/>
+          </p:nvPr>
+        </p:nvSpPr>
+        <p:spPr/>
+        <p:txBody>
+          <a:bodyPr/>
+          <a:lstStyle/>
+          <a:p>
+            <a:r>
+              <a:rPr lang="en-US" dirty="0" smtClean="0"/>
+              <a:t>Scenarios</a:t>
+            </a:r>
+            <a:endParaRPr lang="en-US" dirty="0"/>
           </a:p>
         </p:txBody>
       </p:sp>
@@ -4206,7 +4462,7 @@
           <p:cNvPr id="4" name="Table 4">
             <a:extLst>
               <a:ext uri="{FF2B5EF4-FFF2-40B4-BE49-F238E27FC236}">
-                <a16:creationId xmlns="" xmlns:a16="http://schemas.microsoft.com/office/drawing/2014/main" id="{C4A566CD-A1F8-4CA4-BDA9-A1A3AE5FA65B}"/>
+                <a16:creationId xmlns:a16="http://schemas.microsoft.com/office/drawing/2014/main" xmlns="" id="{C4A566CD-A1F8-4CA4-BDA9-A1A3AE5FA65B}"/>
               </a:ext>
             </a:extLst>
           </p:cNvPr>
@@ -4217,14 +4473,14 @@
             <p:ph idx="1"/>
             <p:extLst>
               <p:ext uri="{D42A27DB-BD31-4B8C-83A1-F6EECF244321}">
-                <p14:modId xmlns:p14="http://schemas.microsoft.com/office/powerpoint/2010/main" val="4205121200"/>
+                <p14:modId xmlns:p14="http://schemas.microsoft.com/office/powerpoint/2010/main" val="369872743"/>
               </p:ext>
             </p:extLst>
           </p:nvPr>
         </p:nvGraphicFramePr>
         <p:xfrm>
           <a:off x="696286" y="1866814"/>
-          <a:ext cx="9782244" cy="3708400"/>
+          <a:ext cx="9782244" cy="4079240"/>
         </p:xfrm>
         <a:graphic>
           <a:graphicData uri="http://schemas.openxmlformats.org/drawingml/2006/table">
@@ -4236,35 +4492,35 @@
                 <a:gridCol w="4345271">
                   <a:extLst>
                     <a:ext uri="{9D8B030D-6E8A-4147-A177-3AD203B41FA5}">
-                      <a16:colId xmlns="" xmlns:a16="http://schemas.microsoft.com/office/drawing/2014/main" val="3813472167"/>
+                      <a16:colId xmlns:a16="http://schemas.microsoft.com/office/drawing/2014/main" xmlns="" val="3813472167"/>
                     </a:ext>
                   </a:extLst>
                 </a:gridCol>
                 <a:gridCol w="963827">
                   <a:extLst>
                     <a:ext uri="{9D8B030D-6E8A-4147-A177-3AD203B41FA5}">
-                      <a16:colId xmlns="" xmlns:a16="http://schemas.microsoft.com/office/drawing/2014/main" val="741504174"/>
+                      <a16:colId xmlns:a16="http://schemas.microsoft.com/office/drawing/2014/main" xmlns="" val="741504174"/>
                     </a:ext>
                   </a:extLst>
                 </a:gridCol>
                 <a:gridCol w="1449859">
                   <a:extLst>
                     <a:ext uri="{9D8B030D-6E8A-4147-A177-3AD203B41FA5}">
-                      <a16:colId xmlns="" xmlns:a16="http://schemas.microsoft.com/office/drawing/2014/main" val="708674825"/>
+                      <a16:colId xmlns:a16="http://schemas.microsoft.com/office/drawing/2014/main" xmlns="" val="708674825"/>
                     </a:ext>
                   </a:extLst>
                 </a:gridCol>
                 <a:gridCol w="1820562">
                   <a:extLst>
                     <a:ext uri="{9D8B030D-6E8A-4147-A177-3AD203B41FA5}">
-                      <a16:colId xmlns="" xmlns:a16="http://schemas.microsoft.com/office/drawing/2014/main" val="2212687543"/>
+                      <a16:colId xmlns:a16="http://schemas.microsoft.com/office/drawing/2014/main" xmlns="" val="2212687543"/>
                     </a:ext>
                   </a:extLst>
                 </a:gridCol>
                 <a:gridCol w="1202725">
                   <a:extLst>
                     <a:ext uri="{9D8B030D-6E8A-4147-A177-3AD203B41FA5}">
-                      <a16:colId xmlns="" xmlns:a16="http://schemas.microsoft.com/office/drawing/2014/main" val="2164952560"/>
+                      <a16:colId xmlns:a16="http://schemas.microsoft.com/office/drawing/2014/main" xmlns="" val="2164952560"/>
                     </a:ext>
                   </a:extLst>
                 </a:gridCol>
@@ -4286,9 +4542,14 @@
                     <a:lstStyle/>
                     <a:p>
                       <a:r>
-                        <a:rPr lang="en-US" dirty="0"/>
-                        <a:t>Feature</a:t>
+                        <a:rPr lang="en-US" dirty="0" smtClean="0"/>
+                        <a:t>F-</a:t>
                       </a:r>
+                      <a:r>
+                        <a:rPr lang="en-US" baseline="0" dirty="0" smtClean="0"/>
+                        <a:t>flag</a:t>
+                      </a:r>
+                      <a:endParaRPr lang="en-US" dirty="0"/>
                     </a:p>
                   </a:txBody>
                   <a:tcPr/>
@@ -4317,17 +4578,14 @@
                     <a:lstStyle/>
                     <a:p>
                       <a:r>
-                        <a:rPr lang="en-US" dirty="0" err="1"/>
-                        <a:t>Web.config</a:t>
+                        <a:rPr lang="en-US" dirty="0" err="1" smtClean="0"/>
+                        <a:t>Config</a:t>
                       </a:r>
                       <a:r>
-                        <a:rPr lang="aa-ET" dirty="0"/>
-                        <a:t> </a:t>
+                        <a:rPr lang="en-US" baseline="0" smtClean="0"/>
+                        <a:t> storage</a:t>
                       </a:r>
-                      <a:r>
-                        <a:rPr lang="en-US" dirty="0"/>
-                        <a:t>(DB)</a:t>
-                      </a:r>
+                      <a:endParaRPr lang="en-US" dirty="0"/>
                     </a:p>
                   </a:txBody>
                   <a:tcPr/>
@@ -4347,7 +4605,7 @@
                 </a:tc>
                 <a:extLst>
                   <a:ext uri="{0D108BD9-81ED-4DB2-BD59-A6C34878D82A}">
-                    <a16:rowId xmlns="" xmlns:a16="http://schemas.microsoft.com/office/drawing/2014/main" val="1748592466"/>
+                    <a16:rowId xmlns:a16="http://schemas.microsoft.com/office/drawing/2014/main" xmlns="" val="1748592466"/>
                   </a:ext>
                 </a:extLst>
               </a:tr>
@@ -4427,9 +4685,85 @@
                 </a:tc>
                 <a:extLst>
                   <a:ext uri="{0D108BD9-81ED-4DB2-BD59-A6C34878D82A}">
-                    <a16:rowId xmlns="" xmlns:a16="http://schemas.microsoft.com/office/drawing/2014/main" val="1877580846"/>
+                    <a16:rowId xmlns:a16="http://schemas.microsoft.com/office/drawing/2014/main" xmlns="" val="1877580846"/>
                   </a:ext>
                 </a:extLst>
+              </a:tr>
+              <a:tr h="370840">
+                <a:tc>
+                  <a:txBody>
+                    <a:bodyPr/>
+                    <a:lstStyle/>
+                    <a:p>
+                      <a:r>
+                        <a:rPr lang="en-US" strike="sngStrike" dirty="0" smtClean="0"/>
+                        <a:t>User</a:t>
+                      </a:r>
+                      <a:r>
+                        <a:rPr lang="en-US" strike="sngStrike" baseline="0" dirty="0" smtClean="0"/>
+                        <a:t> permission</a:t>
+                      </a:r>
+                      <a:endParaRPr lang="en-US" strike="sngStrike" dirty="0"/>
+                    </a:p>
+                  </a:txBody>
+                  <a:tcPr/>
+                </a:tc>
+                <a:tc>
+                  <a:txBody>
+                    <a:bodyPr/>
+                    <a:lstStyle/>
+                    <a:p>
+                      <a:r>
+                        <a:rPr lang="en-US" b="0" i="0" dirty="0" smtClean="0"/>
+                        <a:t>-</a:t>
+                      </a:r>
+                      <a:endParaRPr lang="en-US" b="0" i="0" dirty="0"/>
+                    </a:p>
+                  </a:txBody>
+                  <a:tcPr/>
+                </a:tc>
+                <a:tc>
+                  <a:txBody>
+                    <a:bodyPr/>
+                    <a:lstStyle/>
+                    <a:p>
+                      <a:r>
+                        <a:rPr lang="en-US" dirty="0" smtClean="0"/>
+                        <a:t>-</a:t>
+                      </a:r>
+                      <a:endParaRPr lang="en-US" dirty="0"/>
+                    </a:p>
+                  </a:txBody>
+                  <a:tcPr/>
+                </a:tc>
+                <a:tc>
+                  <a:txBody>
+                    <a:bodyPr/>
+                    <a:lstStyle/>
+                    <a:p>
+                      <a:r>
+                        <a:rPr lang="en-US" dirty="0" smtClean="0"/>
+                        <a:t>-</a:t>
+                      </a:r>
+                      <a:endParaRPr lang="en-US" dirty="0"/>
+                    </a:p>
+                  </a:txBody>
+                  <a:tcPr/>
+                </a:tc>
+                <a:tc>
+                  <a:txBody>
+                    <a:bodyPr/>
+                    <a:lstStyle/>
+                    <a:p>
+                      <a:r>
+                        <a:rPr lang="en-US" b="0" dirty="0" smtClean="0"/>
+                        <a:t>-</a:t>
+                      </a:r>
+                      <a:endParaRPr lang="en-US" b="0" dirty="0"/>
+                    </a:p>
+                  </a:txBody>
+                  <a:tcPr/>
+                </a:tc>
               </a:tr>
               <a:tr h="370840">
                 <a:tc>
@@ -4504,7 +4838,7 @@
                 </a:tc>
                 <a:extLst>
                   <a:ext uri="{0D108BD9-81ED-4DB2-BD59-A6C34878D82A}">
-                    <a16:rowId xmlns="" xmlns:a16="http://schemas.microsoft.com/office/drawing/2014/main" val="362726404"/>
+                    <a16:rowId xmlns:a16="http://schemas.microsoft.com/office/drawing/2014/main" xmlns="" val="362726404"/>
                   </a:ext>
                 </a:extLst>
               </a:tr>
@@ -4576,7 +4910,7 @@
                 </a:tc>
                 <a:extLst>
                   <a:ext uri="{0D108BD9-81ED-4DB2-BD59-A6C34878D82A}">
-                    <a16:rowId xmlns="" xmlns:a16="http://schemas.microsoft.com/office/drawing/2014/main" val="1583128128"/>
+                    <a16:rowId xmlns:a16="http://schemas.microsoft.com/office/drawing/2014/main" xmlns="" val="1583128128"/>
                   </a:ext>
                 </a:extLst>
               </a:tr>
@@ -4682,7 +5016,7 @@
                 </a:tc>
                 <a:extLst>
                   <a:ext uri="{0D108BD9-81ED-4DB2-BD59-A6C34878D82A}">
-                    <a16:rowId xmlns="" xmlns:a16="http://schemas.microsoft.com/office/drawing/2014/main" val="1656243938"/>
+                    <a16:rowId xmlns:a16="http://schemas.microsoft.com/office/drawing/2014/main" xmlns="" val="1656243938"/>
                   </a:ext>
                 </a:extLst>
               </a:tr>
@@ -4758,7 +5092,7 @@
                 </a:tc>
                 <a:extLst>
                   <a:ext uri="{0D108BD9-81ED-4DB2-BD59-A6C34878D82A}">
-                    <a16:rowId xmlns="" xmlns:a16="http://schemas.microsoft.com/office/drawing/2014/main" val="3348095219"/>
+                    <a16:rowId xmlns:a16="http://schemas.microsoft.com/office/drawing/2014/main" xmlns="" val="3348095219"/>
                   </a:ext>
                 </a:extLst>
               </a:tr>
@@ -4787,9 +5121,10 @@
                     <a:lstStyle/>
                     <a:p>
                       <a:r>
-                        <a:rPr lang="en-US" dirty="0"/>
-                        <a:t>-</a:t>
+                        <a:rPr lang="en-US" b="1" dirty="0" smtClean="0"/>
+                        <a:t>+ (?)</a:t>
                       </a:r>
+                      <a:endParaRPr lang="en-US" b="1" dirty="0"/>
                     </a:p>
                   </a:txBody>
                   <a:tcPr/>
@@ -4835,7 +5170,7 @@
                 </a:tc>
                 <a:extLst>
                   <a:ext uri="{0D108BD9-81ED-4DB2-BD59-A6C34878D82A}">
-                    <a16:rowId xmlns="" xmlns:a16="http://schemas.microsoft.com/office/drawing/2014/main" val="646531306"/>
+                    <a16:rowId xmlns:a16="http://schemas.microsoft.com/office/drawing/2014/main" xmlns="" val="646531306"/>
                   </a:ext>
                 </a:extLst>
               </a:tr>
@@ -4907,7 +5242,7 @@
                 </a:tc>
                 <a:extLst>
                   <a:ext uri="{0D108BD9-81ED-4DB2-BD59-A6C34878D82A}">
-                    <a16:rowId xmlns="" xmlns:a16="http://schemas.microsoft.com/office/drawing/2014/main" val="3486908756"/>
+                    <a16:rowId xmlns:a16="http://schemas.microsoft.com/office/drawing/2014/main" xmlns="" val="3486908756"/>
                   </a:ext>
                 </a:extLst>
               </a:tr>
@@ -4936,9 +5271,10 @@
                     <a:lstStyle/>
                     <a:p>
                       <a:r>
-                        <a:rPr lang="en-US" dirty="0"/>
-                        <a:t>-</a:t>
+                        <a:rPr lang="en-US" b="1" dirty="0" smtClean="0"/>
+                        <a:t>+ (?)</a:t>
                       </a:r>
+                      <a:endParaRPr lang="en-US" b="1" dirty="0"/>
                     </a:p>
                   </a:txBody>
                   <a:tcPr/>
@@ -4984,7 +5320,7 @@
                 </a:tc>
                 <a:extLst>
                   <a:ext uri="{0D108BD9-81ED-4DB2-BD59-A6C34878D82A}">
-                    <a16:rowId xmlns="" xmlns:a16="http://schemas.microsoft.com/office/drawing/2014/main" val="1246979772"/>
+                    <a16:rowId xmlns:a16="http://schemas.microsoft.com/office/drawing/2014/main" xmlns="" val="1246979772"/>
                   </a:ext>
                 </a:extLst>
               </a:tr>
@@ -5056,7 +5392,7 @@
                 </a:tc>
                 <a:extLst>
                   <a:ext uri="{0D108BD9-81ED-4DB2-BD59-A6C34878D82A}">
-                    <a16:rowId xmlns="" xmlns:a16="http://schemas.microsoft.com/office/drawing/2014/main" val="3764194528"/>
+                    <a16:rowId xmlns:a16="http://schemas.microsoft.com/office/drawing/2014/main" xmlns="" val="3764194528"/>
                   </a:ext>
                 </a:extLst>
               </a:tr>
@@ -5068,209 +5404,6 @@
     <p:extLst>
       <p:ext uri="{BB962C8B-B14F-4D97-AF65-F5344CB8AC3E}">
         <p14:creationId xmlns:p14="http://schemas.microsoft.com/office/powerpoint/2010/main" val="1832620603"/>
-      </p:ext>
-    </p:extLst>
-  </p:cSld>
-  <p:clrMapOvr>
-    <a:masterClrMapping/>
-  </p:clrMapOvr>
-  <p:timing>
-    <p:tnLst>
-      <p:par>
-        <p:cTn id="1" dur="indefinite" restart="never" nodeType="tmRoot"/>
-      </p:par>
-    </p:tnLst>
-  </p:timing>
-</p:sld>
-</file>
-
-<file path=ppt/slides/slide18.xml><?xml version="1.0" encoding="utf-8"?>
-<p:sld xmlns:a="http://schemas.openxmlformats.org/drawingml/2006/main" xmlns:r="http://schemas.openxmlformats.org/officeDocument/2006/relationships" xmlns:p="http://schemas.openxmlformats.org/presentationml/2006/main">
-  <p:cSld>
-    <p:spTree>
-      <p:nvGrpSpPr>
-        <p:cNvPr id="1" name=""/>
-        <p:cNvGrpSpPr/>
-        <p:nvPr/>
-      </p:nvGrpSpPr>
-      <p:grpSpPr>
-        <a:xfrm>
-          <a:off x="0" y="0"/>
-          <a:ext cx="0" cy="0"/>
-          <a:chOff x="0" y="0"/>
-          <a:chExt cx="0" cy="0"/>
-        </a:xfrm>
-      </p:grpSpPr>
-      <p:sp>
-        <p:nvSpPr>
-          <p:cNvPr id="2" name="Title 1">
-            <a:extLst>
-              <a:ext uri="{FF2B5EF4-FFF2-40B4-BE49-F238E27FC236}">
-                <a16:creationId xmlns="" xmlns:a16="http://schemas.microsoft.com/office/drawing/2014/main" id="{25639FAF-B799-4054-9F8C-6603B4534D90}"/>
-              </a:ext>
-            </a:extLst>
-          </p:cNvPr>
-          <p:cNvSpPr>
-            <a:spLocks noGrp="1"/>
-          </p:cNvSpPr>
-          <p:nvPr>
-            <p:ph type="title"/>
-          </p:nvPr>
-        </p:nvSpPr>
-        <p:spPr/>
-        <p:txBody>
-          <a:bodyPr/>
-          <a:lstStyle/>
-          <a:p>
-            <a:r>
-              <a:rPr lang="en-US" dirty="0"/>
-              <a:t>Conclusion</a:t>
-            </a:r>
-          </a:p>
-        </p:txBody>
-      </p:sp>
-      <p:sp>
-        <p:nvSpPr>
-          <p:cNvPr id="3" name="Content Placeholder 2">
-            <a:extLst>
-              <a:ext uri="{FF2B5EF4-FFF2-40B4-BE49-F238E27FC236}">
-                <a16:creationId xmlns="" xmlns:a16="http://schemas.microsoft.com/office/drawing/2014/main" id="{43353810-64F0-4D15-8E46-6301410237C2}"/>
-              </a:ext>
-            </a:extLst>
-          </p:cNvPr>
-          <p:cNvSpPr>
-            <a:spLocks noGrp="1"/>
-          </p:cNvSpPr>
-          <p:nvPr>
-            <p:ph idx="1"/>
-          </p:nvPr>
-        </p:nvSpPr>
-        <p:spPr/>
-        <p:txBody>
-          <a:bodyPr/>
-          <a:lstStyle/>
-          <a:p>
-            <a:r>
-              <a:rPr lang="en-US" dirty="0"/>
-              <a:t>There are many situations where some kind of variation must be implemented</a:t>
-            </a:r>
-          </a:p>
-          <a:p>
-            <a:r>
-              <a:rPr lang="en-US" dirty="0"/>
-              <a:t>Feature flag is not an ideal approach for all of them</a:t>
-            </a:r>
-          </a:p>
-          <a:p>
-            <a:endParaRPr lang="en-US" dirty="0"/>
-          </a:p>
-          <a:p>
-            <a:r>
-              <a:rPr lang="en-US" dirty="0"/>
-              <a:t>Any situation requires own implementation depending on complexity/flexibility</a:t>
-            </a:r>
-          </a:p>
-        </p:txBody>
-      </p:sp>
-    </p:spTree>
-    <p:extLst>
-      <p:ext uri="{BB962C8B-B14F-4D97-AF65-F5344CB8AC3E}">
-        <p14:creationId xmlns:p14="http://schemas.microsoft.com/office/powerpoint/2010/main" val="4285764517"/>
-      </p:ext>
-    </p:extLst>
-  </p:cSld>
-  <p:clrMapOvr>
-    <a:masterClrMapping/>
-  </p:clrMapOvr>
-  <p:timing>
-    <p:tnLst>
-      <p:par>
-        <p:cTn id="1" dur="indefinite" restart="never" nodeType="tmRoot"/>
-      </p:par>
-    </p:tnLst>
-  </p:timing>
-</p:sld>
-</file>
-
-<file path=ppt/slides/slide19.xml><?xml version="1.0" encoding="utf-8"?>
-<p:sld xmlns:a="http://schemas.openxmlformats.org/drawingml/2006/main" xmlns:r="http://schemas.openxmlformats.org/officeDocument/2006/relationships" xmlns:p="http://schemas.openxmlformats.org/presentationml/2006/main">
-  <p:cSld>
-    <p:spTree>
-      <p:nvGrpSpPr>
-        <p:cNvPr id="1" name=""/>
-        <p:cNvGrpSpPr/>
-        <p:nvPr/>
-      </p:nvGrpSpPr>
-      <p:grpSpPr>
-        <a:xfrm>
-          <a:off x="0" y="0"/>
-          <a:ext cx="0" cy="0"/>
-          <a:chOff x="0" y="0"/>
-          <a:chExt cx="0" cy="0"/>
-        </a:xfrm>
-      </p:grpSpPr>
-      <p:sp>
-        <p:nvSpPr>
-          <p:cNvPr id="2" name="Title 1">
-            <a:extLst>
-              <a:ext uri="{FF2B5EF4-FFF2-40B4-BE49-F238E27FC236}">
-                <a16:creationId xmlns="" xmlns:a16="http://schemas.microsoft.com/office/drawing/2014/main" id="{20969604-30C2-4A15-BCCA-327BAF9B68A9}"/>
-              </a:ext>
-            </a:extLst>
-          </p:cNvPr>
-          <p:cNvSpPr>
-            <a:spLocks noGrp="1"/>
-          </p:cNvSpPr>
-          <p:nvPr>
-            <p:ph type="title"/>
-          </p:nvPr>
-        </p:nvSpPr>
-        <p:spPr>
-          <a:xfrm>
-            <a:off x="4655190" y="2766218"/>
-            <a:ext cx="3582798" cy="1325563"/>
-          </a:xfrm>
-        </p:spPr>
-        <p:txBody>
-          <a:bodyPr/>
-          <a:lstStyle/>
-          <a:p>
-            <a:r>
-              <a:rPr lang="en-US" dirty="0"/>
-              <a:t>Questions?</a:t>
-            </a:r>
-          </a:p>
-        </p:txBody>
-      </p:sp>
-      <p:sp>
-        <p:nvSpPr>
-          <p:cNvPr id="3" name="Content Placeholder 2">
-            <a:extLst>
-              <a:ext uri="{FF2B5EF4-FFF2-40B4-BE49-F238E27FC236}">
-                <a16:creationId xmlns="" xmlns:a16="http://schemas.microsoft.com/office/drawing/2014/main" id="{4871FCAB-0345-48D3-8BA7-7C33C4AAEE14}"/>
-              </a:ext>
-            </a:extLst>
-          </p:cNvPr>
-          <p:cNvSpPr>
-            <a:spLocks noGrp="1"/>
-          </p:cNvSpPr>
-          <p:nvPr>
-            <p:ph idx="1"/>
-          </p:nvPr>
-        </p:nvSpPr>
-        <p:spPr/>
-        <p:txBody>
-          <a:bodyPr/>
-          <a:lstStyle/>
-          <a:p>
-            <a:endParaRPr lang="en-US"/>
-          </a:p>
-        </p:txBody>
-      </p:sp>
-    </p:spTree>
-    <p:extLst>
-      <p:ext uri="{BB962C8B-B14F-4D97-AF65-F5344CB8AC3E}">
-        <p14:creationId xmlns:p14="http://schemas.microsoft.com/office/powerpoint/2010/main" val="2488634591"/>
       </p:ext>
     </p:extLst>
   </p:cSld>
@@ -5309,7 +5442,7 @@
           <p:cNvPr id="2" name="Title 1">
             <a:extLst>
               <a:ext uri="{FF2B5EF4-FFF2-40B4-BE49-F238E27FC236}">
-                <a16:creationId xmlns="" xmlns:a16="http://schemas.microsoft.com/office/drawing/2014/main" id="{483FB287-CE5F-4038-BF68-5179799CB813}"/>
+                <a16:creationId xmlns:a16="http://schemas.microsoft.com/office/drawing/2014/main" xmlns="" id="{483FB287-CE5F-4038-BF68-5179799CB813}"/>
               </a:ext>
             </a:extLst>
           </p:cNvPr>
@@ -5337,7 +5470,7 @@
           <p:cNvPr id="3" name="Content Placeholder 2">
             <a:extLst>
               <a:ext uri="{FF2B5EF4-FFF2-40B4-BE49-F238E27FC236}">
-                <a16:creationId xmlns="" xmlns:a16="http://schemas.microsoft.com/office/drawing/2014/main" id="{9219D9E7-D9DE-4748-8870-A517325E3527}"/>
+                <a16:creationId xmlns:a16="http://schemas.microsoft.com/office/drawing/2014/main" xmlns="" id="{9219D9E7-D9DE-4748-8870-A517325E3527}"/>
               </a:ext>
             </a:extLst>
           </p:cNvPr>
@@ -5357,35 +5490,64 @@
           <a:p>
             <a:r>
               <a:rPr lang="en-US" dirty="0"/>
-              <a:t>Flexible functionality delivering/rollback approach</a:t>
-            </a:r>
-          </a:p>
-          <a:p>
+              <a:t>Agile (flexible) functionality delivering/rollback approach</a:t>
+            </a:r>
+          </a:p>
+          <a:p>
+            <a:r>
+              <a:rPr lang="en-US" dirty="0" smtClean="0"/>
+              <a:t>There </a:t>
+            </a:r>
             <a:r>
               <a:rPr lang="en-US" dirty="0"/>
-              <a:t>There are 2 versions of functionality switched by bool flag </a:t>
+              <a:t>are 2 versions of functionality on back/front ends switched by bool flag </a:t>
             </a:r>
             <a:r>
               <a:rPr lang="en-US" b="1" dirty="0"/>
-              <a:t>at any time w/o code deployment</a:t>
-            </a:r>
-          </a:p>
-          <a:p>
+              <a:t>at any time w/o code </a:t>
+            </a:r>
+            <a:r>
+              <a:rPr lang="en-US" b="1" dirty="0" smtClean="0"/>
+              <a:t>deployment</a:t>
+            </a:r>
+            <a:endParaRPr lang="en-US" dirty="0"/>
+          </a:p>
+          <a:p>
+            <a:r>
+              <a:rPr lang="en-US" dirty="0" smtClean="0"/>
+              <a:t>Flexibility cost: </a:t>
+            </a:r>
             <a:r>
               <a:rPr lang="en-US" dirty="0"/>
-              <a:t>Cost of flexibility: 2 obligatory deployments with code changes in both</a:t>
-            </a:r>
-          </a:p>
-          <a:p>
+              <a:t>2 obligatory deployments with code changes in both</a:t>
+            </a:r>
+          </a:p>
+          <a:p>
+            <a:r>
+              <a:rPr lang="en-US" i="1" dirty="0"/>
+              <a:t>The first deployment</a:t>
+            </a:r>
             <a:r>
               <a:rPr lang="en-US" dirty="0"/>
-              <a:t>The first deployment introduces new functionality which can be available instead of old functionality by switching feature flag ON</a:t>
-            </a:r>
-          </a:p>
-          <a:p>
+              <a:t> introduces new functionality which can be available instead of old </a:t>
+            </a:r>
+            <a:r>
+              <a:rPr lang="en-US" dirty="0" smtClean="0"/>
+              <a:t>one by </a:t>
+            </a:r>
             <a:r>
               <a:rPr lang="en-US" dirty="0"/>
-              <a:t>The second deployment removes feature flag and old functionality from code base after customer approval</a:t>
+              <a:t>switching feature flag ON</a:t>
+            </a:r>
+          </a:p>
+          <a:p>
+            <a:r>
+              <a:rPr lang="en-US" i="1" dirty="0"/>
+              <a:t>The second deployment</a:t>
+            </a:r>
+            <a:r>
+              <a:rPr lang="en-US" dirty="0"/>
+              <a:t> removes feature flag and old functionality from code base after customer approval</a:t>
             </a:r>
           </a:p>
           <a:p>
@@ -5415,13 +5577,18 @@
               <a:t> is a temporary </a:t>
             </a:r>
             <a:r>
-              <a:rPr lang="en-US" b="1" dirty="0"/>
-              <a:t>environment-specific </a:t>
+              <a:rPr lang="en-US" dirty="0" smtClean="0"/>
+              <a:t>and </a:t>
             </a:r>
             <a:r>
               <a:rPr lang="en-US" dirty="0"/>
-              <a:t>artifact and not domain specific</a:t>
-            </a:r>
+              <a:t>not domain </a:t>
+            </a:r>
+            <a:r>
+              <a:rPr lang="en-US" dirty="0" smtClean="0"/>
+              <a:t>specific artifact</a:t>
+            </a:r>
+            <a:endParaRPr lang="en-US" dirty="0"/>
           </a:p>
         </p:txBody>
       </p:sp>
@@ -5429,6 +5596,234 @@
     <p:extLst>
       <p:ext uri="{BB962C8B-B14F-4D97-AF65-F5344CB8AC3E}">
         <p14:creationId xmlns:p14="http://schemas.microsoft.com/office/powerpoint/2010/main" val="1939694664"/>
+      </p:ext>
+    </p:extLst>
+  </p:cSld>
+  <p:clrMapOvr>
+    <a:masterClrMapping/>
+  </p:clrMapOvr>
+  <p:timing>
+    <p:tnLst>
+      <p:par>
+        <p:cTn id="1" dur="indefinite" restart="never" nodeType="tmRoot"/>
+      </p:par>
+    </p:tnLst>
+  </p:timing>
+</p:sld>
+</file>
+
+<file path=ppt/slides/slide20.xml><?xml version="1.0" encoding="utf-8"?>
+<p:sld xmlns:a="http://schemas.openxmlformats.org/drawingml/2006/main" xmlns:r="http://schemas.openxmlformats.org/officeDocument/2006/relationships" xmlns:p="http://schemas.openxmlformats.org/presentationml/2006/main">
+  <p:cSld>
+    <p:spTree>
+      <p:nvGrpSpPr>
+        <p:cNvPr id="1" name=""/>
+        <p:cNvGrpSpPr/>
+        <p:nvPr/>
+      </p:nvGrpSpPr>
+      <p:grpSpPr>
+        <a:xfrm>
+          <a:off x="0" y="0"/>
+          <a:ext cx="0" cy="0"/>
+          <a:chOff x="0" y="0"/>
+          <a:chExt cx="0" cy="0"/>
+        </a:xfrm>
+      </p:grpSpPr>
+      <p:sp>
+        <p:nvSpPr>
+          <p:cNvPr id="2" name="Title 1">
+            <a:extLst>
+              <a:ext uri="{FF2B5EF4-FFF2-40B4-BE49-F238E27FC236}">
+                <a16:creationId xmlns:a16="http://schemas.microsoft.com/office/drawing/2014/main" xmlns="" id="{25639FAF-B799-4054-9F8C-6603B4534D90}"/>
+              </a:ext>
+            </a:extLst>
+          </p:cNvPr>
+          <p:cNvSpPr>
+            <a:spLocks noGrp="1"/>
+          </p:cNvSpPr>
+          <p:nvPr>
+            <p:ph type="title"/>
+          </p:nvPr>
+        </p:nvSpPr>
+        <p:spPr/>
+        <p:txBody>
+          <a:bodyPr/>
+          <a:lstStyle/>
+          <a:p>
+            <a:r>
+              <a:rPr lang="en-US" dirty="0"/>
+              <a:t>Conclusion</a:t>
+            </a:r>
+          </a:p>
+        </p:txBody>
+      </p:sp>
+      <p:sp>
+        <p:nvSpPr>
+          <p:cNvPr id="3" name="Content Placeholder 2">
+            <a:extLst>
+              <a:ext uri="{FF2B5EF4-FFF2-40B4-BE49-F238E27FC236}">
+                <a16:creationId xmlns:a16="http://schemas.microsoft.com/office/drawing/2014/main" xmlns="" id="{43353810-64F0-4D15-8E46-6301410237C2}"/>
+              </a:ext>
+            </a:extLst>
+          </p:cNvPr>
+          <p:cNvSpPr>
+            <a:spLocks noGrp="1"/>
+          </p:cNvSpPr>
+          <p:nvPr>
+            <p:ph idx="1"/>
+          </p:nvPr>
+        </p:nvSpPr>
+        <p:spPr/>
+        <p:txBody>
+          <a:bodyPr/>
+          <a:lstStyle/>
+          <a:p>
+            <a:r>
+              <a:rPr lang="en-US" dirty="0"/>
+              <a:t>There are many situations where some kind of variation must be implemented</a:t>
+            </a:r>
+          </a:p>
+          <a:p>
+            <a:r>
+              <a:rPr lang="en-US" dirty="0"/>
+              <a:t>Feature flag is not ideal approach for all of them</a:t>
+            </a:r>
+          </a:p>
+          <a:p>
+            <a:r>
+              <a:rPr lang="en-US" dirty="0"/>
+              <a:t>Feature flag is agile </a:t>
+            </a:r>
+            <a:r>
+              <a:rPr lang="en-US" dirty="0" smtClean="0"/>
+              <a:t>style</a:t>
+            </a:r>
+            <a:endParaRPr lang="en-US" dirty="0"/>
+          </a:p>
+          <a:p>
+            <a:r>
+              <a:rPr lang="en-US" dirty="0"/>
+              <a:t>Feature flag is not user permission! Authorization is not agile topic</a:t>
+            </a:r>
+          </a:p>
+          <a:p>
+            <a:endParaRPr lang="en-US" dirty="0"/>
+          </a:p>
+          <a:p>
+            <a:r>
+              <a:rPr lang="en-US" dirty="0"/>
+              <a:t>Any situation requires own implementation depending </a:t>
+            </a:r>
+            <a:r>
+              <a:rPr lang="en-US" smtClean="0"/>
+              <a:t>on feature’s </a:t>
+            </a:r>
+            <a:r>
+              <a:rPr lang="en-US" dirty="0"/>
+              <a:t>complexity/flexibility</a:t>
+            </a:r>
+          </a:p>
+        </p:txBody>
+      </p:sp>
+    </p:spTree>
+    <p:extLst>
+      <p:ext uri="{BB962C8B-B14F-4D97-AF65-F5344CB8AC3E}">
+        <p14:creationId xmlns:p14="http://schemas.microsoft.com/office/powerpoint/2010/main" val="4285764517"/>
+      </p:ext>
+    </p:extLst>
+  </p:cSld>
+  <p:clrMapOvr>
+    <a:masterClrMapping/>
+  </p:clrMapOvr>
+  <p:timing>
+    <p:tnLst>
+      <p:par>
+        <p:cTn id="1" dur="indefinite" restart="never" nodeType="tmRoot"/>
+      </p:par>
+    </p:tnLst>
+  </p:timing>
+</p:sld>
+</file>
+
+<file path=ppt/slides/slide21.xml><?xml version="1.0" encoding="utf-8"?>
+<p:sld xmlns:a="http://schemas.openxmlformats.org/drawingml/2006/main" xmlns:r="http://schemas.openxmlformats.org/officeDocument/2006/relationships" xmlns:p="http://schemas.openxmlformats.org/presentationml/2006/main">
+  <p:cSld>
+    <p:spTree>
+      <p:nvGrpSpPr>
+        <p:cNvPr id="1" name=""/>
+        <p:cNvGrpSpPr/>
+        <p:nvPr/>
+      </p:nvGrpSpPr>
+      <p:grpSpPr>
+        <a:xfrm>
+          <a:off x="0" y="0"/>
+          <a:ext cx="0" cy="0"/>
+          <a:chOff x="0" y="0"/>
+          <a:chExt cx="0" cy="0"/>
+        </a:xfrm>
+      </p:grpSpPr>
+      <p:sp>
+        <p:nvSpPr>
+          <p:cNvPr id="2" name="Title 1">
+            <a:extLst>
+              <a:ext uri="{FF2B5EF4-FFF2-40B4-BE49-F238E27FC236}">
+                <a16:creationId xmlns:a16="http://schemas.microsoft.com/office/drawing/2014/main" xmlns="" id="{20969604-30C2-4A15-BCCA-327BAF9B68A9}"/>
+              </a:ext>
+            </a:extLst>
+          </p:cNvPr>
+          <p:cNvSpPr>
+            <a:spLocks noGrp="1"/>
+          </p:cNvSpPr>
+          <p:nvPr>
+            <p:ph type="title"/>
+          </p:nvPr>
+        </p:nvSpPr>
+        <p:spPr>
+          <a:xfrm>
+            <a:off x="4655190" y="2766218"/>
+            <a:ext cx="3582798" cy="1325563"/>
+          </a:xfrm>
+        </p:spPr>
+        <p:txBody>
+          <a:bodyPr/>
+          <a:lstStyle/>
+          <a:p>
+            <a:r>
+              <a:rPr lang="en-US" dirty="0"/>
+              <a:t>Questions?</a:t>
+            </a:r>
+          </a:p>
+        </p:txBody>
+      </p:sp>
+      <p:sp>
+        <p:nvSpPr>
+          <p:cNvPr id="3" name="Content Placeholder 2">
+            <a:extLst>
+              <a:ext uri="{FF2B5EF4-FFF2-40B4-BE49-F238E27FC236}">
+                <a16:creationId xmlns:a16="http://schemas.microsoft.com/office/drawing/2014/main" xmlns="" id="{4871FCAB-0345-48D3-8BA7-7C33C4AAEE14}"/>
+              </a:ext>
+            </a:extLst>
+          </p:cNvPr>
+          <p:cNvSpPr>
+            <a:spLocks noGrp="1"/>
+          </p:cNvSpPr>
+          <p:nvPr>
+            <p:ph idx="1"/>
+          </p:nvPr>
+        </p:nvSpPr>
+        <p:spPr/>
+        <p:txBody>
+          <a:bodyPr/>
+          <a:lstStyle/>
+          <a:p>
+            <a:endParaRPr lang="en-US"/>
+          </a:p>
+        </p:txBody>
+      </p:sp>
+    </p:spTree>
+    <p:extLst>
+      <p:ext uri="{BB962C8B-B14F-4D97-AF65-F5344CB8AC3E}">
+        <p14:creationId xmlns:p14="http://schemas.microsoft.com/office/powerpoint/2010/main" val="2488634591"/>
       </p:ext>
     </p:extLst>
   </p:cSld>
@@ -5464,13 +5859,7 @@
       </p:grpSpPr>
       <p:sp>
         <p:nvSpPr>
-          <p:cNvPr id="2" name="Title 1">
-            <a:extLst>
-              <a:ext uri="{FF2B5EF4-FFF2-40B4-BE49-F238E27FC236}">
-                <a16:creationId xmlns="" xmlns:a16="http://schemas.microsoft.com/office/drawing/2014/main" id="{E9439641-00BC-4342-A2A6-B3AAF82E6B42}"/>
-              </a:ext>
-            </a:extLst>
-          </p:cNvPr>
+          <p:cNvPr id="2" name="Заголовок 1"/>
           <p:cNvSpPr>
             <a:spLocks noGrp="1"/>
           </p:cNvSpPr>
@@ -5484,21 +5873,16 @@
           <a:lstStyle/>
           <a:p>
             <a:r>
-              <a:rPr lang="en-US" dirty="0"/>
-              <a:t>Feature flags approach</a:t>
-            </a:r>
-          </a:p>
-        </p:txBody>
-      </p:sp>
-      <p:sp>
-        <p:nvSpPr>
-          <p:cNvPr id="3" name="Content Placeholder 2">
-            <a:extLst>
-              <a:ext uri="{FF2B5EF4-FFF2-40B4-BE49-F238E27FC236}">
-                <a16:creationId xmlns="" xmlns:a16="http://schemas.microsoft.com/office/drawing/2014/main" id="{DE956885-CB8F-4914-9EA3-0EA16E9F1A69}"/>
-              </a:ext>
-            </a:extLst>
-          </p:cNvPr>
+              <a:rPr lang="en-US" dirty="0" smtClean="0"/>
+              <a:t>Pseudo code in the first deployment</a:t>
+            </a:r>
+            <a:endParaRPr lang="ru-RU" dirty="0"/>
+          </a:p>
+        </p:txBody>
+      </p:sp>
+      <p:sp>
+        <p:nvSpPr>
+          <p:cNvPr id="3" name="Объект 2"/>
           <p:cNvSpPr>
             <a:spLocks noGrp="1"/>
           </p:cNvSpPr>
@@ -5508,66 +5892,162 @@
         </p:nvSpPr>
         <p:spPr/>
         <p:txBody>
-          <a:bodyPr/>
-          <a:lstStyle/>
-          <a:p>
-            <a:r>
-              <a:rPr lang="en-US" b="1" dirty="0"/>
-              <a:t>Do not substitute </a:t>
-            </a:r>
-            <a:r>
-              <a:rPr lang="en-US" dirty="0"/>
-              <a:t>domain specific flag with feature flag (</a:t>
+          <a:bodyPr>
+            <a:normAutofit fontScale="92500" lnSpcReduction="20000"/>
+          </a:bodyPr>
+          <a:lstStyle/>
+          <a:p>
+            <a:pPr marL="0" indent="0">
+              <a:buNone/>
+            </a:pPr>
+            <a:endParaRPr lang="en-US" i="1" dirty="0" smtClean="0"/>
+          </a:p>
+          <a:p>
+            <a:pPr marL="0" indent="0">
+              <a:buNone/>
+            </a:pPr>
+            <a:r>
+              <a:rPr lang="en-US" i="1" dirty="0" smtClean="0">
+                <a:solidFill>
+                  <a:srgbClr val="0070C0"/>
+                </a:solidFill>
+              </a:rPr>
+              <a:t>if</a:t>
+            </a:r>
+            <a:r>
+              <a:rPr lang="en-US" i="1" dirty="0" smtClean="0"/>
+              <a:t> (</a:t>
+            </a:r>
+            <a:r>
+              <a:rPr lang="en-US" i="1" dirty="0" err="1" smtClean="0"/>
+              <a:t>isFeatureFlagON</a:t>
+            </a:r>
+            <a:r>
+              <a:rPr lang="en-US" i="1" dirty="0" smtClean="0"/>
+              <a:t> </a:t>
             </a:r>
             <a:r>
               <a:rPr lang="en-US" i="1" dirty="0"/>
-              <a:t>see Example 1 below</a:t>
-            </a:r>
-            <a:r>
-              <a:rPr lang="en-US" dirty="0"/>
+              <a:t>== </a:t>
+            </a:r>
+            <a:r>
+              <a:rPr lang="en-US" i="1" dirty="0">
+                <a:solidFill>
+                  <a:srgbClr val="0070C0"/>
+                </a:solidFill>
+              </a:rPr>
+              <a:t>true</a:t>
+            </a:r>
+            <a:r>
+              <a:rPr lang="en-US" i="1" dirty="0"/>
               <a:t>)</a:t>
             </a:r>
           </a:p>
           <a:p>
-            <a:r>
-              <a:rPr lang="en-US" b="1" dirty="0"/>
-              <a:t>Consider</a:t>
-            </a:r>
-            <a:r>
-              <a:rPr lang="en-US" dirty="0"/>
-              <a:t> </a:t>
-            </a:r>
-            <a:r>
-              <a:rPr lang="en-US" dirty="0" smtClean="0"/>
-              <a:t>different feature </a:t>
-            </a:r>
-            <a:r>
-              <a:rPr lang="en-US" dirty="0"/>
-              <a:t>delivering </a:t>
-            </a:r>
-            <a:r>
-              <a:rPr lang="en-US" dirty="0" smtClean="0"/>
-              <a:t>approach instead </a:t>
-            </a:r>
-            <a:r>
-              <a:rPr lang="en-US" dirty="0"/>
-              <a:t>of feature flag </a:t>
-            </a:r>
-            <a:r>
-              <a:rPr lang="en-US" dirty="0" smtClean="0"/>
-              <a:t>if it helps </a:t>
-            </a:r>
-            <a:r>
-              <a:rPr lang="en-US" dirty="0"/>
-              <a:t>to avoid overengineering and redundant code changes with retesting (</a:t>
-            </a:r>
+            <a:pPr marL="0" indent="0">
+              <a:buNone/>
+            </a:pPr>
+            <a:r>
+              <a:rPr lang="ru-RU" i="1" dirty="0"/>
+              <a:t>    {</a:t>
+            </a:r>
+          </a:p>
+          <a:p>
+            <a:pPr marL="0" indent="0">
+              <a:buNone/>
+            </a:pPr>
             <a:r>
               <a:rPr lang="en-US" i="1" dirty="0"/>
-              <a:t>see Example 2 below</a:t>
-            </a:r>
-            <a:r>
-              <a:rPr lang="en-US" dirty="0"/>
-              <a:t>)</a:t>
+              <a:t>        </a:t>
+            </a:r>
+            <a:r>
+              <a:rPr lang="en-US" i="1" dirty="0" err="1"/>
+              <a:t>runNewFeatureFunctionality</a:t>
+            </a:r>
+            <a:r>
+              <a:rPr lang="en-US" i="1" dirty="0"/>
+              <a:t>();</a:t>
+            </a:r>
+          </a:p>
+          <a:p>
+            <a:pPr marL="0" indent="0">
+              <a:buNone/>
+            </a:pPr>
+            <a:r>
+              <a:rPr lang="ru-RU" i="1" dirty="0"/>
+              <a:t>    }</a:t>
+            </a:r>
+          </a:p>
+          <a:p>
+            <a:pPr marL="0" indent="0">
+              <a:buNone/>
+            </a:pPr>
+            <a:r>
+              <a:rPr lang="en-US" i="1" dirty="0"/>
+              <a:t>    </a:t>
+            </a:r>
+            <a:r>
+              <a:rPr lang="en-US" i="1" dirty="0">
+                <a:solidFill>
+                  <a:srgbClr val="0070C0"/>
+                </a:solidFill>
+              </a:rPr>
+              <a:t>else</a:t>
+            </a:r>
+          </a:p>
+          <a:p>
+            <a:pPr marL="0" indent="0">
+              <a:buNone/>
+            </a:pPr>
+            <a:r>
+              <a:rPr lang="ru-RU" i="1" dirty="0"/>
+              <a:t>    {</a:t>
+            </a:r>
+          </a:p>
+          <a:p>
+            <a:pPr marL="0" indent="0">
+              <a:buNone/>
+            </a:pPr>
+            <a:r>
+              <a:rPr lang="en-US" i="1" dirty="0"/>
+              <a:t>        </a:t>
+            </a:r>
+            <a:r>
+              <a:rPr lang="en-US" i="1" dirty="0" err="1" smtClean="0"/>
+              <a:t>runOldFunctionalityOrDoNothingIfItIsNewFeature</a:t>
+            </a:r>
+            <a:r>
+              <a:rPr lang="en-US" i="1" dirty="0"/>
+              <a:t>();</a:t>
+            </a:r>
+          </a:p>
+          <a:p>
+            <a:pPr marL="0" indent="0">
+              <a:buNone/>
+            </a:pPr>
+            <a:r>
+              <a:rPr lang="ru-RU" i="1" dirty="0"/>
+              <a:t>    </a:t>
+            </a:r>
+            <a:r>
+              <a:rPr lang="ru-RU" i="1" dirty="0" smtClean="0"/>
+              <a:t>}</a:t>
+            </a:r>
+            <a:endParaRPr lang="en-US" i="1" dirty="0" smtClean="0"/>
+          </a:p>
+          <a:p>
+            <a:pPr marL="0" indent="0">
+              <a:buNone/>
+            </a:pPr>
+            <a:r>
+              <a:rPr lang="en-US" i="1" dirty="0" smtClean="0">
+                <a:solidFill>
+                  <a:schemeClr val="accent6">
+                    <a:lumMod val="75000"/>
+                  </a:schemeClr>
+                </a:solidFill>
+              </a:rPr>
+              <a:t>// There are many similar if…else blocks can exist for the feature</a:t>
             </a:r>
           </a:p>
         </p:txBody>
@@ -5575,7 +6055,7 @@
     </p:spTree>
     <p:extLst>
       <p:ext uri="{BB962C8B-B14F-4D97-AF65-F5344CB8AC3E}">
-        <p14:creationId xmlns:p14="http://schemas.microsoft.com/office/powerpoint/2010/main" val="868960844"/>
+        <p14:creationId xmlns:p14="http://schemas.microsoft.com/office/powerpoint/2010/main" val="2197794497"/>
       </p:ext>
     </p:extLst>
   </p:cSld>
@@ -5611,13 +6091,7 @@
       </p:grpSpPr>
       <p:sp>
         <p:nvSpPr>
-          <p:cNvPr id="2" name="Title 1">
-            <a:extLst>
-              <a:ext uri="{FF2B5EF4-FFF2-40B4-BE49-F238E27FC236}">
-                <a16:creationId xmlns="" xmlns:a16="http://schemas.microsoft.com/office/drawing/2014/main" id="{6C447430-7847-4455-9E67-B658E9F7BA38}"/>
-              </a:ext>
-            </a:extLst>
-          </p:cNvPr>
+          <p:cNvPr id="2" name="Заголовок 1"/>
           <p:cNvSpPr>
             <a:spLocks noGrp="1"/>
           </p:cNvSpPr>
@@ -5631,26 +6105,24 @@
           <a:lstStyle/>
           <a:p>
             <a:r>
-              <a:rPr lang="en-US" dirty="0"/>
-              <a:t>Feature flags for </a:t>
+              <a:rPr lang="en-US" smtClean="0"/>
+              <a:t>Pseudo c</a:t>
+            </a:r>
+            <a:r>
+              <a:rPr lang="en-US" smtClean="0"/>
+              <a:t>ode </a:t>
             </a:r>
             <a:r>
               <a:rPr lang="en-US" dirty="0" smtClean="0"/>
-              <a:t>%YOUR PROJECT%</a:t>
-            </a:r>
-            <a:endParaRPr lang="en-US" dirty="0"/>
-          </a:p>
-        </p:txBody>
-      </p:sp>
-      <p:sp>
-        <p:nvSpPr>
-          <p:cNvPr id="3" name="Content Placeholder 2">
-            <a:extLst>
-              <a:ext uri="{FF2B5EF4-FFF2-40B4-BE49-F238E27FC236}">
-                <a16:creationId xmlns="" xmlns:a16="http://schemas.microsoft.com/office/drawing/2014/main" id="{3839E9BD-0EBE-4FC2-989A-B3C57F3A28CD}"/>
-              </a:ext>
-            </a:extLst>
-          </p:cNvPr>
+              <a:t>in the second deployment</a:t>
+            </a:r>
+            <a:endParaRPr lang="ru-RU" dirty="0"/>
+          </a:p>
+        </p:txBody>
+      </p:sp>
+      <p:sp>
+        <p:nvSpPr>
+          <p:cNvPr id="3" name="Объект 2"/>
           <p:cNvSpPr>
             <a:spLocks noGrp="1"/>
           </p:cNvSpPr>
@@ -5660,33 +6132,51 @@
         </p:nvSpPr>
         <p:spPr/>
         <p:txBody>
-          <a:bodyPr/>
-          <a:lstStyle/>
-          <a:p>
+          <a:bodyPr>
+            <a:normAutofit/>
+          </a:bodyPr>
+          <a:lstStyle/>
+          <a:p>
+            <a:pPr marL="0" indent="0">
+              <a:buNone/>
+            </a:pPr>
+            <a:endParaRPr lang="en-US" i="1" dirty="0" smtClean="0"/>
+          </a:p>
+          <a:p>
+            <a:pPr marL="0" indent="0">
+              <a:buNone/>
+            </a:pPr>
+            <a:r>
+              <a:rPr lang="en-US" i="1" dirty="0" err="1" smtClean="0"/>
+              <a:t>runNewFeatureFunctionality</a:t>
+            </a:r>
             <a:r>
               <a:rPr lang="en-US" i="1" dirty="0" smtClean="0"/>
-              <a:t>…</a:t>
-            </a:r>
-          </a:p>
-          <a:p>
-            <a:r>
-              <a:rPr lang="en-US" i="1" dirty="0" smtClean="0"/>
-              <a:t>…</a:t>
-            </a:r>
-          </a:p>
-          <a:p>
-            <a:r>
-              <a:rPr lang="en-US" i="1" dirty="0" smtClean="0"/>
-              <a:t>…</a:t>
+              <a:t>();</a:t>
             </a:r>
             <a:endParaRPr lang="en-US" i="1" dirty="0"/>
+          </a:p>
+          <a:p>
+            <a:pPr marL="0" indent="0">
+              <a:buNone/>
+            </a:pPr>
+            <a:r>
+              <a:rPr lang="en-US" i="1" dirty="0" smtClean="0">
+                <a:solidFill>
+                  <a:schemeClr val="accent6">
+                    <a:lumMod val="75000"/>
+                  </a:schemeClr>
+                </a:solidFill>
+              </a:rPr>
+              <a:t>// feature flag removed from storage with flags</a:t>
+            </a:r>
           </a:p>
         </p:txBody>
       </p:sp>
     </p:spTree>
     <p:extLst>
       <p:ext uri="{BB962C8B-B14F-4D97-AF65-F5344CB8AC3E}">
-        <p14:creationId xmlns:p14="http://schemas.microsoft.com/office/powerpoint/2010/main" val="2276728820"/>
+        <p14:creationId xmlns:p14="http://schemas.microsoft.com/office/powerpoint/2010/main" val="817919134"/>
       </p:ext>
     </p:extLst>
   </p:cSld>
@@ -5725,7 +6215,7 @@
           <p:cNvPr id="2" name="Title 1">
             <a:extLst>
               <a:ext uri="{FF2B5EF4-FFF2-40B4-BE49-F238E27FC236}">
-                <a16:creationId xmlns="" xmlns:a16="http://schemas.microsoft.com/office/drawing/2014/main" id="{4EA5CCA9-865E-47AF-9201-924AA73AE695}"/>
+                <a16:creationId xmlns:a16="http://schemas.microsoft.com/office/drawing/2014/main" xmlns="" id="{E9439641-00BC-4342-A2A6-B3AAF82E6B42}"/>
               </a:ext>
             </a:extLst>
           </p:cNvPr>
@@ -5743,7 +6233,7 @@
           <a:p>
             <a:r>
               <a:rPr lang="en-US" dirty="0"/>
-              <a:t>Implementation</a:t>
+              <a:t>Feature flags approach</a:t>
             </a:r>
           </a:p>
         </p:txBody>
@@ -5753,7 +6243,7 @@
           <p:cNvPr id="3" name="Content Placeholder 2">
             <a:extLst>
               <a:ext uri="{FF2B5EF4-FFF2-40B4-BE49-F238E27FC236}">
-                <a16:creationId xmlns="" xmlns:a16="http://schemas.microsoft.com/office/drawing/2014/main" id="{30C15F47-6CC4-4471-B99D-5DE426BDC79F}"/>
+                <a16:creationId xmlns:a16="http://schemas.microsoft.com/office/drawing/2014/main" xmlns="" id="{DE956885-CB8F-4914-9EA3-0EA16E9F1A69}"/>
               </a:ext>
             </a:extLst>
           </p:cNvPr>
@@ -5766,26 +6256,89 @@
         </p:nvSpPr>
         <p:spPr/>
         <p:txBody>
-          <a:bodyPr>
-            <a:normAutofit/>
-          </a:bodyPr>
-          <a:lstStyle/>
-          <a:p>
-            <a:pPr marL="0" indent="0">
-              <a:buNone/>
-            </a:pPr>
-            <a:r>
-              <a:rPr lang="en-US" i="1" dirty="0" smtClean="0"/>
-              <a:t>Implementation details</a:t>
-            </a:r>
-            <a:endParaRPr lang="en-US" i="1" dirty="0"/>
+          <a:bodyPr/>
+          <a:lstStyle/>
+          <a:p>
+            <a:r>
+              <a:rPr lang="en-US" b="1" dirty="0"/>
+              <a:t>Do not substitute </a:t>
+            </a:r>
+            <a:r>
+              <a:rPr lang="en-US" dirty="0"/>
+              <a:t>domain specific flag with feature flag (</a:t>
+            </a:r>
+            <a:r>
+              <a:rPr lang="en-US" i="1" dirty="0"/>
+              <a:t>see Example 1 below</a:t>
+            </a:r>
+            <a:r>
+              <a:rPr lang="en-US" dirty="0" smtClean="0"/>
+              <a:t>)</a:t>
+            </a:r>
+          </a:p>
+          <a:p>
+            <a:r>
+              <a:rPr lang="en-US" b="1" dirty="0"/>
+              <a:t>Do not substitute</a:t>
+            </a:r>
+            <a:r>
+              <a:rPr lang="en-US" dirty="0"/>
+              <a:t> authorization permission with feature flag (even if permission is specific for some environment): feature flag does not authorize user access – it is created TO BE </a:t>
+            </a:r>
+            <a:r>
+              <a:rPr lang="en-US" dirty="0" smtClean="0"/>
+              <a:t>DELETED</a:t>
+            </a:r>
+            <a:endParaRPr lang="en-US" dirty="0"/>
+          </a:p>
+          <a:p>
+            <a:r>
+              <a:rPr lang="en-US" b="1" dirty="0"/>
+              <a:t>Consider</a:t>
+            </a:r>
+            <a:r>
+              <a:rPr lang="en-US" dirty="0"/>
+              <a:t> </a:t>
+            </a:r>
+            <a:r>
+              <a:rPr lang="en-US" dirty="0" smtClean="0"/>
+              <a:t>different feature </a:t>
+            </a:r>
+            <a:r>
+              <a:rPr lang="en-US" dirty="0"/>
+              <a:t>delivering </a:t>
+            </a:r>
+            <a:r>
+              <a:rPr lang="en-US" dirty="0" smtClean="0"/>
+              <a:t>approach instead </a:t>
+            </a:r>
+            <a:r>
+              <a:rPr lang="en-US" dirty="0"/>
+              <a:t>of feature flag </a:t>
+            </a:r>
+            <a:r>
+              <a:rPr lang="en-US" dirty="0" smtClean="0"/>
+              <a:t>if it helps </a:t>
+            </a:r>
+            <a:r>
+              <a:rPr lang="en-US" dirty="0"/>
+              <a:t>to avoid overengineering and redundant code changes with retesting (</a:t>
+            </a:r>
+            <a:r>
+              <a:rPr lang="en-US" i="1" dirty="0"/>
+              <a:t>see Example 2 below</a:t>
+            </a:r>
+            <a:r>
+              <a:rPr lang="en-US" dirty="0"/>
+              <a:t>)</a:t>
+            </a:r>
           </a:p>
         </p:txBody>
       </p:sp>
     </p:spTree>
     <p:extLst>
       <p:ext uri="{BB962C8B-B14F-4D97-AF65-F5344CB8AC3E}">
-        <p14:creationId xmlns:p14="http://schemas.microsoft.com/office/powerpoint/2010/main" val="3453419599"/>
+        <p14:creationId xmlns:p14="http://schemas.microsoft.com/office/powerpoint/2010/main" val="868960844"/>
       </p:ext>
     </p:extLst>
   </p:cSld>
@@ -5824,7 +6377,7 @@
           <p:cNvPr id="2" name="Title 1">
             <a:extLst>
               <a:ext uri="{FF2B5EF4-FFF2-40B4-BE49-F238E27FC236}">
-                <a16:creationId xmlns="" xmlns:a16="http://schemas.microsoft.com/office/drawing/2014/main" id="{B7BF7437-2B13-4428-AE59-E10533136D57}"/>
+                <a16:creationId xmlns:a16="http://schemas.microsoft.com/office/drawing/2014/main" xmlns="" id="{6C447430-7847-4455-9E67-B658E9F7BA38}"/>
               </a:ext>
             </a:extLst>
           </p:cNvPr>
@@ -5842,8 +6395,13 @@
           <a:p>
             <a:r>
               <a:rPr lang="en-US" dirty="0"/>
-              <a:t>The whole picture</a:t>
-            </a:r>
+              <a:t>Feature flags for </a:t>
+            </a:r>
+            <a:r>
+              <a:rPr lang="en-US" dirty="0" smtClean="0"/>
+              <a:t>%YOUR PROJECT%</a:t>
+            </a:r>
+            <a:endParaRPr lang="en-US" dirty="0"/>
           </a:p>
         </p:txBody>
       </p:sp>
@@ -5852,7 +6410,7 @@
           <p:cNvPr id="3" name="Content Placeholder 2">
             <a:extLst>
               <a:ext uri="{FF2B5EF4-FFF2-40B4-BE49-F238E27FC236}">
-                <a16:creationId xmlns="" xmlns:a16="http://schemas.microsoft.com/office/drawing/2014/main" id="{59311737-ED44-4185-B2A9-A6BE5CEA4B8C}"/>
+                <a16:creationId xmlns:a16="http://schemas.microsoft.com/office/drawing/2014/main" xmlns="" id="{3839E9BD-0EBE-4FC2-989A-B3C57F3A28CD}"/>
               </a:ext>
             </a:extLst>
           </p:cNvPr>
@@ -5865,106 +6423,33 @@
         </p:nvSpPr>
         <p:spPr/>
         <p:txBody>
-          <a:bodyPr>
-            <a:normAutofit/>
-          </a:bodyPr>
-          <a:lstStyle/>
-          <a:p>
-            <a:pPr marL="0" indent="0">
-              <a:buNone/>
-            </a:pPr>
-            <a:r>
-              <a:rPr lang="en-US" dirty="0"/>
-              <a:t>Feature</a:t>
-            </a:r>
-            <a:r>
-              <a:rPr lang="aa-ET" dirty="0"/>
-              <a:t> </a:t>
-            </a:r>
-            <a:r>
-              <a:rPr lang="en-US" dirty="0"/>
-              <a:t>flag is an environment-specific </a:t>
-            </a:r>
-            <a:r>
-              <a:rPr lang="en-US" dirty="0" smtClean="0"/>
-              <a:t>thing</a:t>
-            </a:r>
-            <a:endParaRPr lang="en-US" dirty="0"/>
-          </a:p>
-          <a:p>
-            <a:pPr marL="0" indent="0">
-              <a:buNone/>
-            </a:pPr>
-            <a:endParaRPr lang="en-US" dirty="0"/>
-          </a:p>
-          <a:p>
-            <a:pPr marL="0" indent="0">
-              <a:buNone/>
-            </a:pPr>
-            <a:r>
-              <a:rPr lang="en-US" dirty="0"/>
-              <a:t>Feature flag is </a:t>
-            </a:r>
-            <a:r>
-              <a:rPr lang="en-US" b="1" dirty="0"/>
-              <a:t>implemented</a:t>
-            </a:r>
-            <a:r>
-              <a:rPr lang="en-US" dirty="0"/>
-              <a:t> as </a:t>
-            </a:r>
-            <a:r>
-              <a:rPr lang="en-US" dirty="0" smtClean="0"/>
-              <a:t>an …</a:t>
-            </a:r>
-            <a:endParaRPr lang="en-US" dirty="0"/>
-          </a:p>
-          <a:p>
-            <a:pPr marL="0" indent="0">
-              <a:buNone/>
-            </a:pPr>
-            <a:endParaRPr lang="en-US" dirty="0"/>
-          </a:p>
-          <a:p>
-            <a:pPr marL="0" indent="0">
-              <a:buNone/>
-            </a:pPr>
-            <a:r>
-              <a:rPr lang="en-US" dirty="0"/>
-              <a:t>There is a risk to use </a:t>
-            </a:r>
-            <a:r>
-              <a:rPr lang="en-US" b="1" dirty="0"/>
-              <a:t>feature flag</a:t>
-            </a:r>
-            <a:r>
-              <a:rPr lang="en-US" dirty="0"/>
-              <a:t> for </a:t>
-            </a:r>
-            <a:r>
-              <a:rPr lang="en-US" dirty="0" smtClean="0"/>
-              <a:t>domain </a:t>
-            </a:r>
-            <a:r>
-              <a:rPr lang="en-US" dirty="0"/>
-              <a:t>specific </a:t>
-            </a:r>
-            <a:r>
-              <a:rPr lang="en-US" dirty="0" smtClean="0"/>
-              <a:t>flags</a:t>
-            </a:r>
-            <a:endParaRPr lang="en-US" dirty="0">
-              <a:solidFill>
-                <a:srgbClr val="0070C0"/>
-              </a:solidFill>
-            </a:endParaRPr>
+          <a:bodyPr/>
+          <a:lstStyle/>
+          <a:p>
+            <a:r>
+              <a:rPr lang="en-US" i="1" dirty="0" smtClean="0"/>
+              <a:t>…</a:t>
+            </a:r>
+          </a:p>
+          <a:p>
+            <a:r>
+              <a:rPr lang="en-US" i="1" dirty="0" smtClean="0"/>
+              <a:t>…</a:t>
+            </a:r>
+          </a:p>
+          <a:p>
+            <a:r>
+              <a:rPr lang="en-US" i="1" dirty="0" smtClean="0"/>
+              <a:t>…</a:t>
+            </a:r>
+            <a:endParaRPr lang="en-US" i="1" dirty="0"/>
           </a:p>
         </p:txBody>
       </p:sp>
     </p:spTree>
     <p:extLst>
       <p:ext uri="{BB962C8B-B14F-4D97-AF65-F5344CB8AC3E}">
-        <p14:creationId xmlns:p14="http://schemas.microsoft.com/office/powerpoint/2010/main" val="4227979389"/>
+        <p14:creationId xmlns:p14="http://schemas.microsoft.com/office/powerpoint/2010/main" val="2276728820"/>
       </p:ext>
     </p:extLst>
   </p:cSld>
@@ -6000,10 +6485,38 @@
       </p:grpSpPr>
       <p:sp>
         <p:nvSpPr>
+          <p:cNvPr id="2" name="Title 1">
+            <a:extLst>
+              <a:ext uri="{FF2B5EF4-FFF2-40B4-BE49-F238E27FC236}">
+                <a16:creationId xmlns:a16="http://schemas.microsoft.com/office/drawing/2014/main" xmlns="" id="{4EA5CCA9-865E-47AF-9201-924AA73AE695}"/>
+              </a:ext>
+            </a:extLst>
+          </p:cNvPr>
+          <p:cNvSpPr>
+            <a:spLocks noGrp="1"/>
+          </p:cNvSpPr>
+          <p:nvPr>
+            <p:ph type="title"/>
+          </p:nvPr>
+        </p:nvSpPr>
+        <p:spPr/>
+        <p:txBody>
+          <a:bodyPr/>
+          <a:lstStyle/>
+          <a:p>
+            <a:r>
+              <a:rPr lang="en-US" dirty="0"/>
+              <a:t>Implementation</a:t>
+            </a:r>
+          </a:p>
+        </p:txBody>
+      </p:sp>
+      <p:sp>
+        <p:nvSpPr>
           <p:cNvPr id="3" name="Content Placeholder 2">
             <a:extLst>
               <a:ext uri="{FF2B5EF4-FFF2-40B4-BE49-F238E27FC236}">
-                <a16:creationId xmlns="" xmlns:a16="http://schemas.microsoft.com/office/drawing/2014/main" id="{8EAD60E1-C71B-4965-A461-0C3327405D35}"/>
+                <a16:creationId xmlns:a16="http://schemas.microsoft.com/office/drawing/2014/main" xmlns="" id="{30C15F47-6CC4-4471-B99D-5DE426BDC79F}"/>
               </a:ext>
             </a:extLst>
           </p:cNvPr>
@@ -6016,50 +6529,26 @@
         </p:nvSpPr>
         <p:spPr/>
         <p:txBody>
-          <a:bodyPr/>
-          <a:lstStyle/>
-          <a:p>
-            <a:endParaRPr lang="en-US"/>
-          </a:p>
-        </p:txBody>
-      </p:sp>
-      <p:sp>
-        <p:nvSpPr>
-          <p:cNvPr id="4" name="Title 1">
-            <a:extLst>
-              <a:ext uri="{FF2B5EF4-FFF2-40B4-BE49-F238E27FC236}">
-                <a16:creationId xmlns="" xmlns:a16="http://schemas.microsoft.com/office/drawing/2014/main" id="{08823796-1974-4C9A-8079-4A38C128E6B3}"/>
-              </a:ext>
-            </a:extLst>
-          </p:cNvPr>
-          <p:cNvSpPr>
-            <a:spLocks noGrp="1"/>
-          </p:cNvSpPr>
-          <p:nvPr>
-            <p:ph type="title"/>
-          </p:nvPr>
-        </p:nvSpPr>
-        <p:spPr>
-          <a:xfrm>
-            <a:off x="4814582" y="2766218"/>
-            <a:ext cx="5354913" cy="1325563"/>
-          </a:xfrm>
-        </p:spPr>
-        <p:txBody>
-          <a:bodyPr/>
-          <a:lstStyle/>
-          <a:p>
-            <a:r>
-              <a:rPr lang="en-US" dirty="0"/>
-              <a:t>Example 1</a:t>
-            </a:r>
+          <a:bodyPr>
+            <a:normAutofit/>
+          </a:bodyPr>
+          <a:lstStyle/>
+          <a:p>
+            <a:pPr marL="0" indent="0">
+              <a:buNone/>
+            </a:pPr>
+            <a:r>
+              <a:rPr lang="en-US" i="1" dirty="0" smtClean="0"/>
+              <a:t>Implementation details</a:t>
+            </a:r>
+            <a:endParaRPr lang="en-US" i="1" dirty="0"/>
           </a:p>
         </p:txBody>
       </p:sp>
     </p:spTree>
     <p:extLst>
       <p:ext uri="{BB962C8B-B14F-4D97-AF65-F5344CB8AC3E}">
-        <p14:creationId xmlns:p14="http://schemas.microsoft.com/office/powerpoint/2010/main" val="38276831"/>
+        <p14:creationId xmlns:p14="http://schemas.microsoft.com/office/powerpoint/2010/main" val="3453419599"/>
       </p:ext>
     </p:extLst>
   </p:cSld>
@@ -6095,10 +6584,38 @@
       </p:grpSpPr>
       <p:sp>
         <p:nvSpPr>
+          <p:cNvPr id="2" name="Title 1">
+            <a:extLst>
+              <a:ext uri="{FF2B5EF4-FFF2-40B4-BE49-F238E27FC236}">
+                <a16:creationId xmlns:a16="http://schemas.microsoft.com/office/drawing/2014/main" xmlns="" id="{B7BF7437-2B13-4428-AE59-E10533136D57}"/>
+              </a:ext>
+            </a:extLst>
+          </p:cNvPr>
+          <p:cNvSpPr>
+            <a:spLocks noGrp="1"/>
+          </p:cNvSpPr>
+          <p:nvPr>
+            <p:ph type="title"/>
+          </p:nvPr>
+        </p:nvSpPr>
+        <p:spPr/>
+        <p:txBody>
+          <a:bodyPr/>
+          <a:lstStyle/>
+          <a:p>
+            <a:r>
+              <a:rPr lang="en-US" dirty="0"/>
+              <a:t>The whole picture</a:t>
+            </a:r>
+          </a:p>
+        </p:txBody>
+      </p:sp>
+      <p:sp>
+        <p:nvSpPr>
           <p:cNvPr id="3" name="Content Placeholder 2">
             <a:extLst>
               <a:ext uri="{FF2B5EF4-FFF2-40B4-BE49-F238E27FC236}">
-                <a16:creationId xmlns="" xmlns:a16="http://schemas.microsoft.com/office/drawing/2014/main" id="{795B4226-F383-4E0D-BBE9-17ACEA2EEFA3}"/>
+                <a16:creationId xmlns:a16="http://schemas.microsoft.com/office/drawing/2014/main" xmlns="" id="{59311737-ED44-4185-B2A9-A6BE5CEA4B8C}"/>
               </a:ext>
             </a:extLst>
           </p:cNvPr>
@@ -6111,72 +6628,106 @@
         </p:nvSpPr>
         <p:spPr/>
         <p:txBody>
-          <a:bodyPr/>
-          <a:lstStyle/>
-          <a:p>
-            <a:r>
-              <a:rPr lang="en-US" i="1" dirty="0"/>
-              <a:t>Was</a:t>
-            </a:r>
+          <a:bodyPr>
+            <a:normAutofit/>
+          </a:bodyPr>
+          <a:lstStyle/>
+          <a:p>
+            <a:pPr marL="0" indent="0">
+              <a:buNone/>
+            </a:pPr>
             <a:r>
               <a:rPr lang="en-US" dirty="0"/>
-              <a:t>: </a:t>
+              <a:t>Feature</a:t>
+            </a:r>
+            <a:r>
+              <a:rPr lang="aa-ET" dirty="0"/>
+              <a:t> </a:t>
+            </a:r>
+            <a:r>
+              <a:rPr lang="en-US" dirty="0"/>
+              <a:t>flag is </a:t>
             </a:r>
             <a:r>
               <a:rPr lang="en-US" dirty="0" smtClean="0"/>
-              <a:t>…</a:t>
+              <a:t>not domain-specific thing</a:t>
             </a:r>
             <a:endParaRPr lang="en-US" dirty="0"/>
           </a:p>
           <a:p>
-            <a:r>
-              <a:rPr lang="en-US" i="1" dirty="0"/>
-              <a:t>Should</a:t>
-            </a:r>
+            <a:pPr marL="0" indent="0">
+              <a:buNone/>
+            </a:pPr>
+            <a:endParaRPr lang="en-US" dirty="0"/>
+          </a:p>
+          <a:p>
+            <a:pPr marL="0" indent="0">
+              <a:buNone/>
+            </a:pPr>
             <a:r>
               <a:rPr lang="en-US" dirty="0"/>
-              <a:t> </a:t>
+              <a:t>Feature flag is </a:t>
+            </a:r>
+            <a:r>
+              <a:rPr lang="en-US" b="1" dirty="0"/>
+              <a:t>implemented</a:t>
+            </a:r>
+            <a:r>
+              <a:rPr lang="en-US" dirty="0"/>
+              <a:t> as </a:t>
             </a:r>
             <a:r>
               <a:rPr lang="en-US" dirty="0" smtClean="0"/>
-              <a:t>…</a:t>
+              <a:t>an …</a:t>
             </a:r>
             <a:endParaRPr lang="en-US" dirty="0"/>
           </a:p>
-        </p:txBody>
-      </p:sp>
-      <p:sp>
-        <p:nvSpPr>
-          <p:cNvPr id="6" name="Title 5">
-            <a:extLst>
-              <a:ext uri="{FF2B5EF4-FFF2-40B4-BE49-F238E27FC236}">
-                <a16:creationId xmlns="" xmlns:a16="http://schemas.microsoft.com/office/drawing/2014/main" id="{EB9053CC-AE10-4AA2-9AB8-192719CD5677}"/>
-              </a:ext>
-            </a:extLst>
-          </p:cNvPr>
-          <p:cNvSpPr>
-            <a:spLocks noGrp="1"/>
-          </p:cNvSpPr>
-          <p:nvPr>
-            <p:ph type="title"/>
-          </p:nvPr>
-        </p:nvSpPr>
-        <p:spPr/>
-        <p:txBody>
-          <a:bodyPr/>
-          <a:lstStyle/>
-          <a:p>
+          <a:p>
+            <a:pPr marL="0" indent="0">
+              <a:buNone/>
+            </a:pPr>
+            <a:endParaRPr lang="en-US" dirty="0"/>
+          </a:p>
+          <a:p>
+            <a:pPr marL="0" indent="0">
+              <a:buNone/>
+            </a:pPr>
             <a:r>
               <a:rPr lang="en-US" dirty="0"/>
-              <a:t>Task</a:t>
-            </a:r>
+              <a:t>There is a risk to use </a:t>
+            </a:r>
+            <a:r>
+              <a:rPr lang="en-US" b="1" dirty="0"/>
+              <a:t>feature flag</a:t>
+            </a:r>
+            <a:r>
+              <a:rPr lang="en-US" dirty="0"/>
+              <a:t> for </a:t>
+            </a:r>
+            <a:r>
+              <a:rPr lang="en-US" dirty="0" smtClean="0"/>
+              <a:t>domain </a:t>
+            </a:r>
+            <a:r>
+              <a:rPr lang="en-US" dirty="0"/>
+              <a:t>specific </a:t>
+            </a:r>
+            <a:r>
+              <a:rPr lang="en-US" dirty="0" smtClean="0"/>
+              <a:t>flags</a:t>
+            </a:r>
+            <a:endParaRPr lang="en-US" dirty="0">
+              <a:solidFill>
+                <a:srgbClr val="0070C0"/>
+              </a:solidFill>
+            </a:endParaRPr>
           </a:p>
         </p:txBody>
       </p:sp>
     </p:spTree>
     <p:extLst>
       <p:ext uri="{BB962C8B-B14F-4D97-AF65-F5344CB8AC3E}">
-        <p14:creationId xmlns:p14="http://schemas.microsoft.com/office/powerpoint/2010/main" val="3144492638"/>
+        <p14:creationId xmlns:p14="http://schemas.microsoft.com/office/powerpoint/2010/main" val="4227979389"/>
       </p:ext>
     </p:extLst>
   </p:cSld>
@@ -6212,10 +6763,35 @@
       </p:grpSpPr>
       <p:sp>
         <p:nvSpPr>
-          <p:cNvPr id="2" name="Title 1">
-            <a:extLst>
-              <a:ext uri="{FF2B5EF4-FFF2-40B4-BE49-F238E27FC236}">
-                <a16:creationId xmlns="" xmlns:a16="http://schemas.microsoft.com/office/drawing/2014/main" id="{DBB598D9-D219-4DBB-BFA5-EAC071F7B166}"/>
+          <p:cNvPr id="3" name="Content Placeholder 2">
+            <a:extLst>
+              <a:ext uri="{FF2B5EF4-FFF2-40B4-BE49-F238E27FC236}">
+                <a16:creationId xmlns:a16="http://schemas.microsoft.com/office/drawing/2014/main" xmlns="" id="{8EAD60E1-C71B-4965-A461-0C3327405D35}"/>
+              </a:ext>
+            </a:extLst>
+          </p:cNvPr>
+          <p:cNvSpPr>
+            <a:spLocks noGrp="1"/>
+          </p:cNvSpPr>
+          <p:nvPr>
+            <p:ph idx="1"/>
+          </p:nvPr>
+        </p:nvSpPr>
+        <p:spPr/>
+        <p:txBody>
+          <a:bodyPr/>
+          <a:lstStyle/>
+          <a:p>
+            <a:endParaRPr lang="en-US"/>
+          </a:p>
+        </p:txBody>
+      </p:sp>
+      <p:sp>
+        <p:nvSpPr>
+          <p:cNvPr id="4" name="Title 1">
+            <a:extLst>
+              <a:ext uri="{FF2B5EF4-FFF2-40B4-BE49-F238E27FC236}">
+                <a16:creationId xmlns:a16="http://schemas.microsoft.com/office/drawing/2014/main" xmlns="" id="{08823796-1974-4C9A-8079-4A38C128E6B3}"/>
               </a:ext>
             </a:extLst>
           </p:cNvPr>
@@ -6226,65 +6802,27 @@
             <p:ph type="title"/>
           </p:nvPr>
         </p:nvSpPr>
-        <p:spPr/>
+        <p:spPr>
+          <a:xfrm>
+            <a:off x="4814582" y="2766218"/>
+            <a:ext cx="5354913" cy="1325563"/>
+          </a:xfrm>
+        </p:spPr>
         <p:txBody>
           <a:bodyPr/>
           <a:lstStyle/>
           <a:p>
             <a:r>
               <a:rPr lang="en-US" dirty="0"/>
-              <a:t>Initial implementation</a:t>
-            </a:r>
-          </a:p>
-        </p:txBody>
-      </p:sp>
-      <p:sp>
-        <p:nvSpPr>
-          <p:cNvPr id="3" name="Content Placeholder 2">
-            <a:extLst>
-              <a:ext uri="{FF2B5EF4-FFF2-40B4-BE49-F238E27FC236}">
-                <a16:creationId xmlns="" xmlns:a16="http://schemas.microsoft.com/office/drawing/2014/main" id="{CEFA3EB1-EE5F-4865-B0BC-546C818C6B79}"/>
-              </a:ext>
-            </a:extLst>
-          </p:cNvPr>
-          <p:cNvSpPr>
-            <a:spLocks noGrp="1"/>
-          </p:cNvSpPr>
-          <p:nvPr>
-            <p:ph idx="1"/>
-          </p:nvPr>
-        </p:nvSpPr>
-        <p:spPr/>
-        <p:txBody>
-          <a:bodyPr/>
-          <a:lstStyle/>
-          <a:p>
-            <a:r>
-              <a:rPr lang="en-US" dirty="0" smtClean="0"/>
-              <a:t>Domain specific </a:t>
-            </a:r>
-            <a:r>
-              <a:rPr lang="en-US" b="1" dirty="0" smtClean="0"/>
-              <a:t>feature flag</a:t>
-            </a:r>
-            <a:r>
-              <a:rPr lang="en-US" dirty="0" smtClean="0"/>
-              <a:t> was added (wrong by feature conception)</a:t>
-            </a:r>
-          </a:p>
-          <a:p>
-            <a:r>
-              <a:rPr lang="en-US" i="1" dirty="0" smtClean="0"/>
-              <a:t>…</a:t>
-            </a:r>
-            <a:endParaRPr lang="en-US" dirty="0"/>
+              <a:t>Example 1</a:t>
+            </a:r>
           </a:p>
         </p:txBody>
       </p:sp>
     </p:spTree>
     <p:extLst>
       <p:ext uri="{BB962C8B-B14F-4D97-AF65-F5344CB8AC3E}">
-        <p14:creationId xmlns:p14="http://schemas.microsoft.com/office/powerpoint/2010/main" val="1590651848"/>
+        <p14:creationId xmlns:p14="http://schemas.microsoft.com/office/powerpoint/2010/main" val="38276831"/>
       </p:ext>
     </p:extLst>
   </p:cSld>
